--- a/presentation/Part II and III.pptx
+++ b/presentation/Part II and III.pptx
@@ -5,7 +5,7 @@
     <p:sldMasterId id="2147483648" r:id="rId1"/>
   </p:sldMasterIdLst>
   <p:notesMasterIdLst>
-    <p:notesMasterId r:id="rId7"/>
+    <p:notesMasterId r:id="rId14"/>
   </p:notesMasterIdLst>
   <p:sldIdLst>
     <p:sldId id="256" r:id="rId2"/>
@@ -13,6 +13,13 @@
     <p:sldId id="259" r:id="rId4"/>
     <p:sldId id="258" r:id="rId5"/>
     <p:sldId id="260" r:id="rId6"/>
+    <p:sldId id="261" r:id="rId7"/>
+    <p:sldId id="262" r:id="rId8"/>
+    <p:sldId id="263" r:id="rId9"/>
+    <p:sldId id="264" r:id="rId10"/>
+    <p:sldId id="265" r:id="rId11"/>
+    <p:sldId id="266" r:id="rId12"/>
+    <p:sldId id="267" r:id="rId13"/>
   </p:sldIdLst>
   <p:sldSz cx="9144000" cy="6858000" type="screen4x3"/>
   <p:notesSz cx="6858000" cy="9144000"/>
@@ -1745,6 +1752,13 @@
         </dgm:presLayoutVars>
       </dgm:prSet>
       <dgm:spPr/>
+      <dgm:t>
+        <a:bodyPr/>
+        <a:lstStyle/>
+        <a:p>
+          <a:endParaRPr lang="de-CH"/>
+        </a:p>
+      </dgm:t>
     </dgm:pt>
     <dgm:pt modelId="{9E74FCAF-49E5-49C2-9A11-52944A0CABF2}" type="pres">
       <dgm:prSet presAssocID="{AB585ADC-023F-4F7E-A747-FB29B79F1A0D}" presName="hierRoot1" presStyleCnt="0">
@@ -1765,10 +1779,24 @@
         </dgm:presLayoutVars>
       </dgm:prSet>
       <dgm:spPr/>
+      <dgm:t>
+        <a:bodyPr/>
+        <a:lstStyle/>
+        <a:p>
+          <a:endParaRPr lang="de-CH"/>
+        </a:p>
+      </dgm:t>
     </dgm:pt>
     <dgm:pt modelId="{94A969C5-594F-45F9-BA66-299AABACE820}" type="pres">
       <dgm:prSet presAssocID="{AB585ADC-023F-4F7E-A747-FB29B79F1A0D}" presName="rootConnector1" presStyleLbl="node1" presStyleIdx="0" presStyleCnt="0"/>
       <dgm:spPr/>
+      <dgm:t>
+        <a:bodyPr/>
+        <a:lstStyle/>
+        <a:p>
+          <a:endParaRPr lang="de-CH"/>
+        </a:p>
+      </dgm:t>
     </dgm:pt>
     <dgm:pt modelId="{FE17AD4B-29B2-4C88-9BF4-6A1E989E2327}" type="pres">
       <dgm:prSet presAssocID="{AB585ADC-023F-4F7E-A747-FB29B79F1A0D}" presName="hierChild2" presStyleCnt="0"/>
@@ -1777,6 +1805,13 @@
     <dgm:pt modelId="{AC39BC36-9E19-468F-8D07-C3F737F26FE0}" type="pres">
       <dgm:prSet presAssocID="{E63A388D-7217-484A-9912-ADD5B80806D5}" presName="Name37" presStyleLbl="parChTrans1D2" presStyleIdx="0" presStyleCnt="2"/>
       <dgm:spPr/>
+      <dgm:t>
+        <a:bodyPr/>
+        <a:lstStyle/>
+        <a:p>
+          <a:endParaRPr lang="de-CH"/>
+        </a:p>
+      </dgm:t>
     </dgm:pt>
     <dgm:pt modelId="{39574D00-1A72-4F43-ABB5-0BFCEB93C93D}" type="pres">
       <dgm:prSet presAssocID="{FFCFBD19-AEDD-43F9-B6D2-ED12CFF013B1}" presName="hierRoot2" presStyleCnt="0">
@@ -1797,10 +1832,24 @@
         </dgm:presLayoutVars>
       </dgm:prSet>
       <dgm:spPr/>
+      <dgm:t>
+        <a:bodyPr/>
+        <a:lstStyle/>
+        <a:p>
+          <a:endParaRPr lang="de-CH"/>
+        </a:p>
+      </dgm:t>
     </dgm:pt>
     <dgm:pt modelId="{6617E845-C2A5-4B0B-8CBD-A6B28D94D6CA}" type="pres">
       <dgm:prSet presAssocID="{FFCFBD19-AEDD-43F9-B6D2-ED12CFF013B1}" presName="rootConnector" presStyleLbl="node2" presStyleIdx="0" presStyleCnt="2"/>
       <dgm:spPr/>
+      <dgm:t>
+        <a:bodyPr/>
+        <a:lstStyle/>
+        <a:p>
+          <a:endParaRPr lang="de-CH"/>
+        </a:p>
+      </dgm:t>
     </dgm:pt>
     <dgm:pt modelId="{F936155C-535F-48AE-B9A4-654A73A74DAA}" type="pres">
       <dgm:prSet presAssocID="{FFCFBD19-AEDD-43F9-B6D2-ED12CFF013B1}" presName="hierChild4" presStyleCnt="0"/>
@@ -1813,6 +1862,13 @@
     <dgm:pt modelId="{75DFCBFD-A199-414D-B4FF-7A801AE15D3A}" type="pres">
       <dgm:prSet presAssocID="{452EC98C-4CDB-410D-A240-726A7332BCA4}" presName="Name37" presStyleLbl="parChTrans1D2" presStyleIdx="1" presStyleCnt="2"/>
       <dgm:spPr/>
+      <dgm:t>
+        <a:bodyPr/>
+        <a:lstStyle/>
+        <a:p>
+          <a:endParaRPr lang="de-CH"/>
+        </a:p>
+      </dgm:t>
     </dgm:pt>
     <dgm:pt modelId="{72115DB5-74FB-44BC-8836-F0A75D62AC89}" type="pres">
       <dgm:prSet presAssocID="{016F2DEB-A481-4902-AB9F-215C3ADC9491}" presName="hierRoot2" presStyleCnt="0">
@@ -1833,10 +1889,24 @@
         </dgm:presLayoutVars>
       </dgm:prSet>
       <dgm:spPr/>
+      <dgm:t>
+        <a:bodyPr/>
+        <a:lstStyle/>
+        <a:p>
+          <a:endParaRPr lang="de-CH"/>
+        </a:p>
+      </dgm:t>
     </dgm:pt>
     <dgm:pt modelId="{CAC892A7-FC2E-4271-92E3-B040D8D73530}" type="pres">
       <dgm:prSet presAssocID="{016F2DEB-A481-4902-AB9F-215C3ADC9491}" presName="rootConnector" presStyleLbl="node2" presStyleIdx="1" presStyleCnt="2"/>
       <dgm:spPr/>
+      <dgm:t>
+        <a:bodyPr/>
+        <a:lstStyle/>
+        <a:p>
+          <a:endParaRPr lang="de-CH"/>
+        </a:p>
+      </dgm:t>
     </dgm:pt>
     <dgm:pt modelId="{A804451F-FD87-4731-8095-36110EB3EC76}" type="pres">
       <dgm:prSet presAssocID="{016F2DEB-A481-4902-AB9F-215C3ADC9491}" presName="hierChild4" presStyleCnt="0"/>
@@ -1852,18 +1922,18 @@
     </dgm:pt>
   </dgm:ptLst>
   <dgm:cxnLst>
+    <dgm:cxn modelId="{DB12EE94-0E0B-4891-BA6B-6AD778AED33F}" type="presOf" srcId="{0C12E0F4-527E-477E-8BF1-DC9CB4CA6D03}" destId="{C1AE78D4-A09F-4F99-9A96-B280A9D07B6F}" srcOrd="0" destOrd="0" presId="urn:microsoft.com/office/officeart/2005/8/layout/orgChart1"/>
+    <dgm:cxn modelId="{1C12A2EA-F4BD-414B-BDE9-D1999FD47AB2}" type="presOf" srcId="{016F2DEB-A481-4902-AB9F-215C3ADC9491}" destId="{CF6BF77E-3A53-4EF2-82C3-FB1B19BE8AC3}" srcOrd="0" destOrd="0" presId="urn:microsoft.com/office/officeart/2005/8/layout/orgChart1"/>
+    <dgm:cxn modelId="{1587B728-2EFE-43F0-ABAE-BA6605CF7E58}" srcId="{AB585ADC-023F-4F7E-A747-FB29B79F1A0D}" destId="{FFCFBD19-AEDD-43F9-B6D2-ED12CFF013B1}" srcOrd="0" destOrd="0" parTransId="{E63A388D-7217-484A-9912-ADD5B80806D5}" sibTransId="{6B5449E2-0E93-469C-90A2-F27BF8D9D809}"/>
+    <dgm:cxn modelId="{510E89CB-957C-4EA0-86E0-48BA234402F5}" srcId="{AB585ADC-023F-4F7E-A747-FB29B79F1A0D}" destId="{016F2DEB-A481-4902-AB9F-215C3ADC9491}" srcOrd="1" destOrd="0" parTransId="{452EC98C-4CDB-410D-A240-726A7332BCA4}" sibTransId="{6786CF16-70BC-410F-925D-777441DB146D}"/>
+    <dgm:cxn modelId="{BF8554EF-17CF-4A47-841B-928E9AF0D2FD}" type="presOf" srcId="{016F2DEB-A481-4902-AB9F-215C3ADC9491}" destId="{CAC892A7-FC2E-4271-92E3-B040D8D73530}" srcOrd="1" destOrd="0" presId="urn:microsoft.com/office/officeart/2005/8/layout/orgChart1"/>
+    <dgm:cxn modelId="{DF1F6D7E-3AD2-40C4-810F-069AE64D3FB8}" type="presOf" srcId="{AB585ADC-023F-4F7E-A747-FB29B79F1A0D}" destId="{98BC8443-B96A-4531-B04F-5DA7890CA3B2}" srcOrd="0" destOrd="0" presId="urn:microsoft.com/office/officeart/2005/8/layout/orgChart1"/>
     <dgm:cxn modelId="{478B2B5E-7AAE-4012-AC1C-9903817BE9C9}" type="presOf" srcId="{FFCFBD19-AEDD-43F9-B6D2-ED12CFF013B1}" destId="{6617E845-C2A5-4B0B-8CBD-A6B28D94D6CA}" srcOrd="1" destOrd="0" presId="urn:microsoft.com/office/officeart/2005/8/layout/orgChart1"/>
+    <dgm:cxn modelId="{F93CCE74-4369-4D0D-A416-3B32A3DFB3B1}" srcId="{0C12E0F4-527E-477E-8BF1-DC9CB4CA6D03}" destId="{AB585ADC-023F-4F7E-A747-FB29B79F1A0D}" srcOrd="0" destOrd="0" parTransId="{27D17FE1-40A8-4EF5-82E5-C0BF3CEF67E1}" sibTransId="{5900DBE8-60D6-467E-BA3A-5CC76E6582DA}"/>
+    <dgm:cxn modelId="{808A4CE4-8273-4733-A3DE-C53B311A55E5}" type="presOf" srcId="{452EC98C-4CDB-410D-A240-726A7332BCA4}" destId="{75DFCBFD-A199-414D-B4FF-7A801AE15D3A}" srcOrd="0" destOrd="0" presId="urn:microsoft.com/office/officeart/2005/8/layout/orgChart1"/>
+    <dgm:cxn modelId="{41D7FC93-50EA-4F71-89CC-AED98E4F23D5}" type="presOf" srcId="{E63A388D-7217-484A-9912-ADD5B80806D5}" destId="{AC39BC36-9E19-468F-8D07-C3F737F26FE0}" srcOrd="0" destOrd="0" presId="urn:microsoft.com/office/officeart/2005/8/layout/orgChart1"/>
     <dgm:cxn modelId="{8F4151C2-059B-4069-97EA-215EF4F1FC79}" type="presOf" srcId="{FFCFBD19-AEDD-43F9-B6D2-ED12CFF013B1}" destId="{40CDFE7C-7E08-44CB-AF07-3B1651EC0B5F}" srcOrd="0" destOrd="0" presId="urn:microsoft.com/office/officeart/2005/8/layout/orgChart1"/>
-    <dgm:cxn modelId="{1C12A2EA-F4BD-414B-BDE9-D1999FD47AB2}" type="presOf" srcId="{016F2DEB-A481-4902-AB9F-215C3ADC9491}" destId="{CF6BF77E-3A53-4EF2-82C3-FB1B19BE8AC3}" srcOrd="0" destOrd="0" presId="urn:microsoft.com/office/officeart/2005/8/layout/orgChart1"/>
-    <dgm:cxn modelId="{808A4CE4-8273-4733-A3DE-C53B311A55E5}" type="presOf" srcId="{452EC98C-4CDB-410D-A240-726A7332BCA4}" destId="{75DFCBFD-A199-414D-B4FF-7A801AE15D3A}" srcOrd="0" destOrd="0" presId="urn:microsoft.com/office/officeart/2005/8/layout/orgChart1"/>
-    <dgm:cxn modelId="{DB12EE94-0E0B-4891-BA6B-6AD778AED33F}" type="presOf" srcId="{0C12E0F4-527E-477E-8BF1-DC9CB4CA6D03}" destId="{C1AE78D4-A09F-4F99-9A96-B280A9D07B6F}" srcOrd="0" destOrd="0" presId="urn:microsoft.com/office/officeart/2005/8/layout/orgChart1"/>
     <dgm:cxn modelId="{C5F87EDB-C5D8-4E00-8FBA-58721DA13B9A}" type="presOf" srcId="{AB585ADC-023F-4F7E-A747-FB29B79F1A0D}" destId="{94A969C5-594F-45F9-BA66-299AABACE820}" srcOrd="1" destOrd="0" presId="urn:microsoft.com/office/officeart/2005/8/layout/orgChart1"/>
-    <dgm:cxn modelId="{F93CCE74-4369-4D0D-A416-3B32A3DFB3B1}" srcId="{0C12E0F4-527E-477E-8BF1-DC9CB4CA6D03}" destId="{AB585ADC-023F-4F7E-A747-FB29B79F1A0D}" srcOrd="0" destOrd="0" parTransId="{27D17FE1-40A8-4EF5-82E5-C0BF3CEF67E1}" sibTransId="{5900DBE8-60D6-467E-BA3A-5CC76E6582DA}"/>
-    <dgm:cxn modelId="{DF1F6D7E-3AD2-40C4-810F-069AE64D3FB8}" type="presOf" srcId="{AB585ADC-023F-4F7E-A747-FB29B79F1A0D}" destId="{98BC8443-B96A-4531-B04F-5DA7890CA3B2}" srcOrd="0" destOrd="0" presId="urn:microsoft.com/office/officeart/2005/8/layout/orgChart1"/>
-    <dgm:cxn modelId="{41D7FC93-50EA-4F71-89CC-AED98E4F23D5}" type="presOf" srcId="{E63A388D-7217-484A-9912-ADD5B80806D5}" destId="{AC39BC36-9E19-468F-8D07-C3F737F26FE0}" srcOrd="0" destOrd="0" presId="urn:microsoft.com/office/officeart/2005/8/layout/orgChart1"/>
-    <dgm:cxn modelId="{BF8554EF-17CF-4A47-841B-928E9AF0D2FD}" type="presOf" srcId="{016F2DEB-A481-4902-AB9F-215C3ADC9491}" destId="{CAC892A7-FC2E-4271-92E3-B040D8D73530}" srcOrd="1" destOrd="0" presId="urn:microsoft.com/office/officeart/2005/8/layout/orgChart1"/>
-    <dgm:cxn modelId="{510E89CB-957C-4EA0-86E0-48BA234402F5}" srcId="{AB585ADC-023F-4F7E-A747-FB29B79F1A0D}" destId="{016F2DEB-A481-4902-AB9F-215C3ADC9491}" srcOrd="1" destOrd="0" parTransId="{452EC98C-4CDB-410D-A240-726A7332BCA4}" sibTransId="{6786CF16-70BC-410F-925D-777441DB146D}"/>
-    <dgm:cxn modelId="{1587B728-2EFE-43F0-ABAE-BA6605CF7E58}" srcId="{AB585ADC-023F-4F7E-A747-FB29B79F1A0D}" destId="{FFCFBD19-AEDD-43F9-B6D2-ED12CFF013B1}" srcOrd="0" destOrd="0" parTransId="{E63A388D-7217-484A-9912-ADD5B80806D5}" sibTransId="{6B5449E2-0E93-469C-90A2-F27BF8D9D809}"/>
     <dgm:cxn modelId="{D10C0ECB-6AC7-4351-81F8-0FE7813E297D}" type="presParOf" srcId="{C1AE78D4-A09F-4F99-9A96-B280A9D07B6F}" destId="{9E74FCAF-49E5-49C2-9A11-52944A0CABF2}" srcOrd="0" destOrd="0" presId="urn:microsoft.com/office/officeart/2005/8/layout/orgChart1"/>
     <dgm:cxn modelId="{B564B625-885B-419B-AC80-19ADE88BF97B}" type="presParOf" srcId="{9E74FCAF-49E5-49C2-9A11-52944A0CABF2}" destId="{FA7425A2-15BF-43E5-9520-0229047A4CAB}" srcOrd="0" destOrd="0" presId="urn:microsoft.com/office/officeart/2005/8/layout/orgChart1"/>
     <dgm:cxn modelId="{D01E6E67-A1B9-435D-991D-BAEBBD84D925}" type="presParOf" srcId="{FA7425A2-15BF-43E5-9520-0229047A4CAB}" destId="{98BC8443-B96A-4531-B04F-5DA7890CA3B2}" srcOrd="0" destOrd="0" presId="urn:microsoft.com/office/officeart/2005/8/layout/orgChart1"/>
@@ -2032,6 +2102,13 @@
         </dgm:presLayoutVars>
       </dgm:prSet>
       <dgm:spPr/>
+      <dgm:t>
+        <a:bodyPr/>
+        <a:lstStyle/>
+        <a:p>
+          <a:endParaRPr lang="de-CH"/>
+        </a:p>
+      </dgm:t>
     </dgm:pt>
     <dgm:pt modelId="{9E74FCAF-49E5-49C2-9A11-52944A0CABF2}" type="pres">
       <dgm:prSet presAssocID="{AB585ADC-023F-4F7E-A747-FB29B79F1A0D}" presName="hierRoot1" presStyleCnt="0">
@@ -2052,10 +2129,24 @@
         </dgm:presLayoutVars>
       </dgm:prSet>
       <dgm:spPr/>
+      <dgm:t>
+        <a:bodyPr/>
+        <a:lstStyle/>
+        <a:p>
+          <a:endParaRPr lang="de-CH"/>
+        </a:p>
+      </dgm:t>
     </dgm:pt>
     <dgm:pt modelId="{94A969C5-594F-45F9-BA66-299AABACE820}" type="pres">
       <dgm:prSet presAssocID="{AB585ADC-023F-4F7E-A747-FB29B79F1A0D}" presName="rootConnector1" presStyleLbl="node1" presStyleIdx="0" presStyleCnt="0"/>
       <dgm:spPr/>
+      <dgm:t>
+        <a:bodyPr/>
+        <a:lstStyle/>
+        <a:p>
+          <a:endParaRPr lang="de-CH"/>
+        </a:p>
+      </dgm:t>
     </dgm:pt>
     <dgm:pt modelId="{FE17AD4B-29B2-4C88-9BF4-6A1E989E2327}" type="pres">
       <dgm:prSet presAssocID="{AB585ADC-023F-4F7E-A747-FB29B79F1A0D}" presName="hierChild2" presStyleCnt="0"/>
@@ -2064,6 +2155,13 @@
     <dgm:pt modelId="{AC39BC36-9E19-468F-8D07-C3F737F26FE0}" type="pres">
       <dgm:prSet presAssocID="{E63A388D-7217-484A-9912-ADD5B80806D5}" presName="Name37" presStyleLbl="parChTrans1D2" presStyleIdx="0" presStyleCnt="2"/>
       <dgm:spPr/>
+      <dgm:t>
+        <a:bodyPr/>
+        <a:lstStyle/>
+        <a:p>
+          <a:endParaRPr lang="de-CH"/>
+        </a:p>
+      </dgm:t>
     </dgm:pt>
     <dgm:pt modelId="{39574D00-1A72-4F43-ABB5-0BFCEB93C93D}" type="pres">
       <dgm:prSet presAssocID="{FFCFBD19-AEDD-43F9-B6D2-ED12CFF013B1}" presName="hierRoot2" presStyleCnt="0">
@@ -2084,10 +2182,24 @@
         </dgm:presLayoutVars>
       </dgm:prSet>
       <dgm:spPr/>
+      <dgm:t>
+        <a:bodyPr/>
+        <a:lstStyle/>
+        <a:p>
+          <a:endParaRPr lang="de-CH"/>
+        </a:p>
+      </dgm:t>
     </dgm:pt>
     <dgm:pt modelId="{6617E845-C2A5-4B0B-8CBD-A6B28D94D6CA}" type="pres">
       <dgm:prSet presAssocID="{FFCFBD19-AEDD-43F9-B6D2-ED12CFF013B1}" presName="rootConnector" presStyleLbl="node2" presStyleIdx="0" presStyleCnt="2"/>
       <dgm:spPr/>
+      <dgm:t>
+        <a:bodyPr/>
+        <a:lstStyle/>
+        <a:p>
+          <a:endParaRPr lang="de-CH"/>
+        </a:p>
+      </dgm:t>
     </dgm:pt>
     <dgm:pt modelId="{F936155C-535F-48AE-B9A4-654A73A74DAA}" type="pres">
       <dgm:prSet presAssocID="{FFCFBD19-AEDD-43F9-B6D2-ED12CFF013B1}" presName="hierChild4" presStyleCnt="0"/>
@@ -2100,6 +2212,13 @@
     <dgm:pt modelId="{75DFCBFD-A199-414D-B4FF-7A801AE15D3A}" type="pres">
       <dgm:prSet presAssocID="{452EC98C-4CDB-410D-A240-726A7332BCA4}" presName="Name37" presStyleLbl="parChTrans1D2" presStyleIdx="1" presStyleCnt="2"/>
       <dgm:spPr/>
+      <dgm:t>
+        <a:bodyPr/>
+        <a:lstStyle/>
+        <a:p>
+          <a:endParaRPr lang="de-CH"/>
+        </a:p>
+      </dgm:t>
     </dgm:pt>
     <dgm:pt modelId="{72115DB5-74FB-44BC-8836-F0A75D62AC89}" type="pres">
       <dgm:prSet presAssocID="{016F2DEB-A481-4902-AB9F-215C3ADC9491}" presName="hierRoot2" presStyleCnt="0">
@@ -2120,10 +2239,24 @@
         </dgm:presLayoutVars>
       </dgm:prSet>
       <dgm:spPr/>
+      <dgm:t>
+        <a:bodyPr/>
+        <a:lstStyle/>
+        <a:p>
+          <a:endParaRPr lang="de-CH"/>
+        </a:p>
+      </dgm:t>
     </dgm:pt>
     <dgm:pt modelId="{CAC892A7-FC2E-4271-92E3-B040D8D73530}" type="pres">
       <dgm:prSet presAssocID="{016F2DEB-A481-4902-AB9F-215C3ADC9491}" presName="rootConnector" presStyleLbl="node2" presStyleIdx="1" presStyleCnt="2"/>
       <dgm:spPr/>
+      <dgm:t>
+        <a:bodyPr/>
+        <a:lstStyle/>
+        <a:p>
+          <a:endParaRPr lang="de-CH"/>
+        </a:p>
+      </dgm:t>
     </dgm:pt>
     <dgm:pt modelId="{A804451F-FD87-4731-8095-36110EB3EC76}" type="pres">
       <dgm:prSet presAssocID="{016F2DEB-A481-4902-AB9F-215C3ADC9491}" presName="hierChild4" presStyleCnt="0"/>
@@ -7354,6 +7487,7 @@
           <a:p>
             <a:fld id="{CF82CAE0-896C-485C-B3ED-73E3C1574EA3}" type="datetimeFigureOut">
               <a:rPr lang="de-CH" smtClean="0"/>
+              <a:pPr/>
               <a:t>14.12.2014</a:t>
             </a:fld>
             <a:endParaRPr lang="de-CH"/>
@@ -7515,6 +7649,7 @@
           <a:p>
             <a:fld id="{2A3A84E7-F05E-4CEF-A2C8-862075F1EB76}" type="slidenum">
               <a:rPr lang="de-CH" smtClean="0"/>
+              <a:pPr/>
               <a:t>‹Nr.›</a:t>
             </a:fld>
             <a:endParaRPr lang="de-CH"/>
@@ -7665,7 +7800,7 @@
           </a:bodyPr>
           <a:lstStyle/>
           <a:p>
-            <a:endParaRPr lang="de-CH"/>
+            <a:endParaRPr lang="en-US" noProof="0" dirty="0"/>
           </a:p>
         </p:txBody>
       </p:sp>
@@ -7686,7 +7821,285 @@
           <a:p>
             <a:fld id="{2A3A84E7-F05E-4CEF-A2C8-862075F1EB76}" type="slidenum">
               <a:rPr lang="de-CH" smtClean="0"/>
+              <a:pPr/>
               <a:t>1</a:t>
+            </a:fld>
+            <a:endParaRPr lang="de-CH"/>
+          </a:p>
+        </p:txBody>
+      </p:sp>
+    </p:spTree>
+  </p:cSld>
+  <p:clrMapOvr>
+    <a:masterClrMapping/>
+  </p:clrMapOvr>
+</p:notes>
+</file>
+
+<file path=ppt/notesSlides/notesSlide10.xml><?xml version="1.0" encoding="utf-8"?>
+<p:notes xmlns:a="http://schemas.openxmlformats.org/drawingml/2006/main" xmlns:r="http://schemas.openxmlformats.org/officeDocument/2006/relationships" xmlns:p="http://schemas.openxmlformats.org/presentationml/2006/main">
+  <p:cSld>
+    <p:spTree>
+      <p:nvGrpSpPr>
+        <p:cNvPr id="1" name=""/>
+        <p:cNvGrpSpPr/>
+        <p:nvPr/>
+      </p:nvGrpSpPr>
+      <p:grpSpPr>
+        <a:xfrm>
+          <a:off x="0" y="0"/>
+          <a:ext cx="0" cy="0"/>
+          <a:chOff x="0" y="0"/>
+          <a:chExt cx="0" cy="0"/>
+        </a:xfrm>
+      </p:grpSpPr>
+      <p:sp>
+        <p:nvSpPr>
+          <p:cNvPr id="2" name="Folienbildplatzhalter 1"/>
+          <p:cNvSpPr>
+            <a:spLocks noGrp="1" noRot="1" noChangeAspect="1"/>
+          </p:cNvSpPr>
+          <p:nvPr>
+            <p:ph type="sldImg"/>
+          </p:nvPr>
+        </p:nvSpPr>
+        <p:spPr/>
+      </p:sp>
+      <p:sp>
+        <p:nvSpPr>
+          <p:cNvPr id="3" name="Notizenplatzhalter 2"/>
+          <p:cNvSpPr>
+            <a:spLocks noGrp="1"/>
+          </p:cNvSpPr>
+          <p:nvPr>
+            <p:ph type="body" idx="1"/>
+          </p:nvPr>
+        </p:nvSpPr>
+        <p:spPr/>
+        <p:txBody>
+          <a:bodyPr>
+            <a:normAutofit/>
+          </a:bodyPr>
+          <a:lstStyle/>
+          <a:p>
+            <a:endParaRPr lang="en-US"/>
+          </a:p>
+        </p:txBody>
+      </p:sp>
+      <p:sp>
+        <p:nvSpPr>
+          <p:cNvPr id="4" name="Foliennummernplatzhalter 3"/>
+          <p:cNvSpPr>
+            <a:spLocks noGrp="1"/>
+          </p:cNvSpPr>
+          <p:nvPr>
+            <p:ph type="sldNum" sz="quarter" idx="10"/>
+          </p:nvPr>
+        </p:nvSpPr>
+        <p:spPr/>
+        <p:txBody>
+          <a:bodyPr/>
+          <a:lstStyle/>
+          <a:p>
+            <a:fld id="{2A3A84E7-F05E-4CEF-A2C8-862075F1EB76}" type="slidenum">
+              <a:rPr lang="de-CH" smtClean="0"/>
+              <a:pPr/>
+              <a:t>10</a:t>
+            </a:fld>
+            <a:endParaRPr lang="de-CH"/>
+          </a:p>
+        </p:txBody>
+      </p:sp>
+    </p:spTree>
+  </p:cSld>
+  <p:clrMapOvr>
+    <a:masterClrMapping/>
+  </p:clrMapOvr>
+</p:notes>
+</file>
+
+<file path=ppt/notesSlides/notesSlide11.xml><?xml version="1.0" encoding="utf-8"?>
+<p:notes xmlns:a="http://schemas.openxmlformats.org/drawingml/2006/main" xmlns:r="http://schemas.openxmlformats.org/officeDocument/2006/relationships" xmlns:p="http://schemas.openxmlformats.org/presentationml/2006/main">
+  <p:cSld>
+    <p:spTree>
+      <p:nvGrpSpPr>
+        <p:cNvPr id="1" name=""/>
+        <p:cNvGrpSpPr/>
+        <p:nvPr/>
+      </p:nvGrpSpPr>
+      <p:grpSpPr>
+        <a:xfrm>
+          <a:off x="0" y="0"/>
+          <a:ext cx="0" cy="0"/>
+          <a:chOff x="0" y="0"/>
+          <a:chExt cx="0" cy="0"/>
+        </a:xfrm>
+      </p:grpSpPr>
+      <p:sp>
+        <p:nvSpPr>
+          <p:cNvPr id="2" name="Folienbildplatzhalter 1"/>
+          <p:cNvSpPr>
+            <a:spLocks noGrp="1" noRot="1" noChangeAspect="1"/>
+          </p:cNvSpPr>
+          <p:nvPr>
+            <p:ph type="sldImg"/>
+          </p:nvPr>
+        </p:nvSpPr>
+        <p:spPr/>
+      </p:sp>
+      <p:sp>
+        <p:nvSpPr>
+          <p:cNvPr id="3" name="Notizenplatzhalter 2"/>
+          <p:cNvSpPr>
+            <a:spLocks noGrp="1"/>
+          </p:cNvSpPr>
+          <p:nvPr>
+            <p:ph type="body" idx="1"/>
+          </p:nvPr>
+        </p:nvSpPr>
+        <p:spPr/>
+        <p:txBody>
+          <a:bodyPr>
+            <a:normAutofit/>
+          </a:bodyPr>
+          <a:lstStyle/>
+          <a:p>
+            <a:r>
+              <a:rPr lang="en-US" dirty="0" smtClean="0"/>
+              <a:t>Comment on city vector!!!</a:t>
+            </a:r>
+            <a:br>
+              <a:rPr lang="en-US" dirty="0" smtClean="0"/>
+            </a:br>
+            <a:r>
+              <a:rPr lang="en-US" dirty="0" smtClean="0"/>
+              <a:t>Beside Zürich</a:t>
+            </a:r>
+            <a:r>
+              <a:rPr lang="en-US" baseline="0" dirty="0" smtClean="0"/>
+              <a:t> very resistant (quite obvious), Zürich since it has so a huge population</a:t>
+            </a:r>
+            <a:endParaRPr lang="en-US" dirty="0"/>
+          </a:p>
+        </p:txBody>
+      </p:sp>
+      <p:sp>
+        <p:nvSpPr>
+          <p:cNvPr id="4" name="Foliennummernplatzhalter 3"/>
+          <p:cNvSpPr>
+            <a:spLocks noGrp="1"/>
+          </p:cNvSpPr>
+          <p:nvPr>
+            <p:ph type="sldNum" sz="quarter" idx="10"/>
+          </p:nvPr>
+        </p:nvSpPr>
+        <p:spPr/>
+        <p:txBody>
+          <a:bodyPr/>
+          <a:lstStyle/>
+          <a:p>
+            <a:fld id="{2A3A84E7-F05E-4CEF-A2C8-862075F1EB76}" type="slidenum">
+              <a:rPr lang="de-CH" smtClean="0"/>
+              <a:pPr/>
+              <a:t>11</a:t>
+            </a:fld>
+            <a:endParaRPr lang="de-CH"/>
+          </a:p>
+        </p:txBody>
+      </p:sp>
+    </p:spTree>
+  </p:cSld>
+  <p:clrMapOvr>
+    <a:masterClrMapping/>
+  </p:clrMapOvr>
+</p:notes>
+</file>
+
+<file path=ppt/notesSlides/notesSlide12.xml><?xml version="1.0" encoding="utf-8"?>
+<p:notes xmlns:a="http://schemas.openxmlformats.org/drawingml/2006/main" xmlns:r="http://schemas.openxmlformats.org/officeDocument/2006/relationships" xmlns:p="http://schemas.openxmlformats.org/presentationml/2006/main">
+  <p:cSld>
+    <p:spTree>
+      <p:nvGrpSpPr>
+        <p:cNvPr id="1" name=""/>
+        <p:cNvGrpSpPr/>
+        <p:nvPr/>
+      </p:nvGrpSpPr>
+      <p:grpSpPr>
+        <a:xfrm>
+          <a:off x="0" y="0"/>
+          <a:ext cx="0" cy="0"/>
+          <a:chOff x="0" y="0"/>
+          <a:chExt cx="0" cy="0"/>
+        </a:xfrm>
+      </p:grpSpPr>
+      <p:sp>
+        <p:nvSpPr>
+          <p:cNvPr id="2" name="Folienbildplatzhalter 1"/>
+          <p:cNvSpPr>
+            <a:spLocks noGrp="1" noRot="1" noChangeAspect="1"/>
+          </p:cNvSpPr>
+          <p:nvPr>
+            <p:ph type="sldImg"/>
+          </p:nvPr>
+        </p:nvSpPr>
+        <p:spPr/>
+      </p:sp>
+      <p:sp>
+        <p:nvSpPr>
+          <p:cNvPr id="3" name="Notizenplatzhalter 2"/>
+          <p:cNvSpPr>
+            <a:spLocks noGrp="1"/>
+          </p:cNvSpPr>
+          <p:nvPr>
+            <p:ph type="body" idx="1"/>
+          </p:nvPr>
+        </p:nvSpPr>
+        <p:spPr/>
+        <p:txBody>
+          <a:bodyPr>
+            <a:normAutofit/>
+          </a:bodyPr>
+          <a:lstStyle/>
+          <a:p>
+            <a:r>
+              <a:rPr lang="en-US" dirty="0" smtClean="0"/>
+              <a:t>Remarkable</a:t>
+            </a:r>
+            <a:r>
+              <a:rPr lang="en-US" baseline="0" dirty="0" smtClean="0"/>
+              <a:t> effect when </a:t>
+            </a:r>
+            <a:r>
+              <a:rPr lang="en-US" baseline="0" dirty="0" err="1" smtClean="0"/>
+              <a:t>Lugano</a:t>
+            </a:r>
+            <a:r>
+              <a:rPr lang="en-US" baseline="0" dirty="0" smtClean="0"/>
+              <a:t> is removed, not every time still connect, not so resistant.</a:t>
+            </a:r>
+            <a:endParaRPr lang="en-US" dirty="0"/>
+          </a:p>
+        </p:txBody>
+      </p:sp>
+      <p:sp>
+        <p:nvSpPr>
+          <p:cNvPr id="4" name="Foliennummernplatzhalter 3"/>
+          <p:cNvSpPr>
+            <a:spLocks noGrp="1"/>
+          </p:cNvSpPr>
+          <p:nvPr>
+            <p:ph type="sldNum" sz="quarter" idx="10"/>
+          </p:nvPr>
+        </p:nvSpPr>
+        <p:spPr/>
+        <p:txBody>
+          <a:bodyPr/>
+          <a:lstStyle/>
+          <a:p>
+            <a:fld id="{2A3A84E7-F05E-4CEF-A2C8-862075F1EB76}" type="slidenum">
+              <a:rPr lang="de-CH" smtClean="0"/>
+              <a:pPr/>
+              <a:t>12</a:t>
             </a:fld>
             <a:endParaRPr lang="de-CH"/>
           </a:p>
@@ -7767,6 +8180,7 @@
           <a:p>
             <a:fld id="{2A3A84E7-F05E-4CEF-A2C8-862075F1EB76}" type="slidenum">
               <a:rPr lang="de-CH" smtClean="0"/>
+              <a:pPr/>
               <a:t>2</a:t>
             </a:fld>
             <a:endParaRPr lang="de-CH"/>
@@ -7848,6 +8262,7 @@
           <a:p>
             <a:fld id="{2A3A84E7-F05E-4CEF-A2C8-862075F1EB76}" type="slidenum">
               <a:rPr lang="de-CH" smtClean="0"/>
+              <a:pPr/>
               <a:t>3</a:t>
             </a:fld>
             <a:endParaRPr lang="de-CH"/>
@@ -7908,7 +8323,23 @@
           </a:bodyPr>
           <a:lstStyle/>
           <a:p>
-            <a:endParaRPr lang="de-CH"/>
+            <a:r>
+              <a:rPr lang="de-CH" dirty="0" smtClean="0"/>
+              <a:t>Well </a:t>
+            </a:r>
+            <a:r>
+              <a:rPr lang="de-CH" dirty="0" err="1" smtClean="0"/>
+              <a:t>known</a:t>
+            </a:r>
+            <a:r>
+              <a:rPr lang="de-CH" dirty="0" smtClean="0"/>
+              <a:t> </a:t>
+            </a:r>
+            <a:r>
+              <a:rPr lang="de-CH" dirty="0" err="1" smtClean="0"/>
+              <a:t>formula</a:t>
+            </a:r>
+            <a:endParaRPr lang="de-CH" dirty="0"/>
           </a:p>
         </p:txBody>
       </p:sp>
@@ -7929,6 +8360,7 @@
           <a:p>
             <a:fld id="{2A3A84E7-F05E-4CEF-A2C8-862075F1EB76}" type="slidenum">
               <a:rPr lang="de-CH" smtClean="0"/>
+              <a:pPr/>
               <a:t>4</a:t>
             </a:fld>
             <a:endParaRPr lang="de-CH"/>
@@ -8010,7 +8442,368 @@
           <a:p>
             <a:fld id="{2A3A84E7-F05E-4CEF-A2C8-862075F1EB76}" type="slidenum">
               <a:rPr lang="de-CH" smtClean="0"/>
+              <a:pPr/>
               <a:t>5</a:t>
+            </a:fld>
+            <a:endParaRPr lang="de-CH"/>
+          </a:p>
+        </p:txBody>
+      </p:sp>
+    </p:spTree>
+  </p:cSld>
+  <p:clrMapOvr>
+    <a:masterClrMapping/>
+  </p:clrMapOvr>
+</p:notes>
+</file>
+
+<file path=ppt/notesSlides/notesSlide6.xml><?xml version="1.0" encoding="utf-8"?>
+<p:notes xmlns:a="http://schemas.openxmlformats.org/drawingml/2006/main" xmlns:r="http://schemas.openxmlformats.org/officeDocument/2006/relationships" xmlns:p="http://schemas.openxmlformats.org/presentationml/2006/main">
+  <p:cSld>
+    <p:spTree>
+      <p:nvGrpSpPr>
+        <p:cNvPr id="1" name=""/>
+        <p:cNvGrpSpPr/>
+        <p:nvPr/>
+      </p:nvGrpSpPr>
+      <p:grpSpPr>
+        <a:xfrm>
+          <a:off x="0" y="0"/>
+          <a:ext cx="0" cy="0"/>
+          <a:chOff x="0" y="0"/>
+          <a:chExt cx="0" cy="0"/>
+        </a:xfrm>
+      </p:grpSpPr>
+      <p:sp>
+        <p:nvSpPr>
+          <p:cNvPr id="2" name="Folienbildplatzhalter 1"/>
+          <p:cNvSpPr>
+            <a:spLocks noGrp="1" noRot="1" noChangeAspect="1"/>
+          </p:cNvSpPr>
+          <p:nvPr>
+            <p:ph type="sldImg"/>
+          </p:nvPr>
+        </p:nvSpPr>
+        <p:spPr/>
+      </p:sp>
+      <p:sp>
+        <p:nvSpPr>
+          <p:cNvPr id="3" name="Notizenplatzhalter 2"/>
+          <p:cNvSpPr>
+            <a:spLocks noGrp="1"/>
+          </p:cNvSpPr>
+          <p:nvPr>
+            <p:ph type="body" idx="1"/>
+          </p:nvPr>
+        </p:nvSpPr>
+        <p:spPr/>
+        <p:txBody>
+          <a:bodyPr>
+            <a:normAutofit/>
+          </a:bodyPr>
+          <a:lstStyle/>
+          <a:p>
+            <a:r>
+              <a:rPr lang="de-CH" dirty="0" smtClean="0"/>
+              <a:t>Tell </a:t>
+            </a:r>
+            <a:r>
+              <a:rPr lang="de-CH" dirty="0" err="1" smtClean="0"/>
+              <a:t>about</a:t>
+            </a:r>
+            <a:r>
+              <a:rPr lang="de-CH" dirty="0" smtClean="0"/>
+              <a:t> 22</a:t>
+            </a:r>
+            <a:r>
+              <a:rPr lang="de-CH" baseline="0" dirty="0" smtClean="0"/>
+              <a:t> </a:t>
+            </a:r>
+            <a:r>
+              <a:rPr lang="de-CH" baseline="0" dirty="0" err="1" smtClean="0"/>
+              <a:t>cities</a:t>
+            </a:r>
+            <a:r>
+              <a:rPr lang="de-CH" baseline="0" dirty="0" smtClean="0"/>
+              <a:t>!</a:t>
+            </a:r>
+            <a:endParaRPr lang="de-CH" dirty="0"/>
+          </a:p>
+        </p:txBody>
+      </p:sp>
+      <p:sp>
+        <p:nvSpPr>
+          <p:cNvPr id="4" name="Foliennummernplatzhalter 3"/>
+          <p:cNvSpPr>
+            <a:spLocks noGrp="1"/>
+          </p:cNvSpPr>
+          <p:nvPr>
+            <p:ph type="sldNum" sz="quarter" idx="10"/>
+          </p:nvPr>
+        </p:nvSpPr>
+        <p:spPr/>
+        <p:txBody>
+          <a:bodyPr/>
+          <a:lstStyle/>
+          <a:p>
+            <a:fld id="{2A3A84E7-F05E-4CEF-A2C8-862075F1EB76}" type="slidenum">
+              <a:rPr lang="de-CH" smtClean="0"/>
+              <a:pPr/>
+              <a:t>6</a:t>
+            </a:fld>
+            <a:endParaRPr lang="de-CH"/>
+          </a:p>
+        </p:txBody>
+      </p:sp>
+    </p:spTree>
+  </p:cSld>
+  <p:clrMapOvr>
+    <a:masterClrMapping/>
+  </p:clrMapOvr>
+</p:notes>
+</file>
+
+<file path=ppt/notesSlides/notesSlide7.xml><?xml version="1.0" encoding="utf-8"?>
+<p:notes xmlns:a="http://schemas.openxmlformats.org/drawingml/2006/main" xmlns:r="http://schemas.openxmlformats.org/officeDocument/2006/relationships" xmlns:p="http://schemas.openxmlformats.org/presentationml/2006/main">
+  <p:cSld>
+    <p:spTree>
+      <p:nvGrpSpPr>
+        <p:cNvPr id="1" name=""/>
+        <p:cNvGrpSpPr/>
+        <p:nvPr/>
+      </p:nvGrpSpPr>
+      <p:grpSpPr>
+        <a:xfrm>
+          <a:off x="0" y="0"/>
+          <a:ext cx="0" cy="0"/>
+          <a:chOff x="0" y="0"/>
+          <a:chExt cx="0" cy="0"/>
+        </a:xfrm>
+      </p:grpSpPr>
+      <p:sp>
+        <p:nvSpPr>
+          <p:cNvPr id="2" name="Folienbildplatzhalter 1"/>
+          <p:cNvSpPr>
+            <a:spLocks noGrp="1" noRot="1" noChangeAspect="1"/>
+          </p:cNvSpPr>
+          <p:nvPr>
+            <p:ph type="sldImg"/>
+          </p:nvPr>
+        </p:nvSpPr>
+        <p:spPr/>
+      </p:sp>
+      <p:sp>
+        <p:nvSpPr>
+          <p:cNvPr id="3" name="Notizenplatzhalter 2"/>
+          <p:cNvSpPr>
+            <a:spLocks noGrp="1"/>
+          </p:cNvSpPr>
+          <p:nvPr>
+            <p:ph type="body" idx="1"/>
+          </p:nvPr>
+        </p:nvSpPr>
+        <p:spPr/>
+        <p:txBody>
+          <a:bodyPr>
+            <a:normAutofit/>
+          </a:bodyPr>
+          <a:lstStyle/>
+          <a:p>
+            <a:r>
+              <a:rPr lang="en-US" noProof="0" dirty="0" smtClean="0"/>
+              <a:t>Don‘</a:t>
+            </a:r>
+            <a:r>
+              <a:rPr lang="en-US" baseline="0" noProof="0" dirty="0" smtClean="0"/>
+              <a:t>t forget comment on weight</a:t>
+            </a:r>
+            <a:endParaRPr lang="en-US" noProof="0" dirty="0"/>
+          </a:p>
+        </p:txBody>
+      </p:sp>
+      <p:sp>
+        <p:nvSpPr>
+          <p:cNvPr id="4" name="Foliennummernplatzhalter 3"/>
+          <p:cNvSpPr>
+            <a:spLocks noGrp="1"/>
+          </p:cNvSpPr>
+          <p:nvPr>
+            <p:ph type="sldNum" sz="quarter" idx="10"/>
+          </p:nvPr>
+        </p:nvSpPr>
+        <p:spPr/>
+        <p:txBody>
+          <a:bodyPr/>
+          <a:lstStyle/>
+          <a:p>
+            <a:fld id="{2A3A84E7-F05E-4CEF-A2C8-862075F1EB76}" type="slidenum">
+              <a:rPr lang="de-CH" smtClean="0"/>
+              <a:pPr/>
+              <a:t>7</a:t>
+            </a:fld>
+            <a:endParaRPr lang="de-CH"/>
+          </a:p>
+        </p:txBody>
+      </p:sp>
+    </p:spTree>
+  </p:cSld>
+  <p:clrMapOvr>
+    <a:masterClrMapping/>
+  </p:clrMapOvr>
+</p:notes>
+</file>
+
+<file path=ppt/notesSlides/notesSlide8.xml><?xml version="1.0" encoding="utf-8"?>
+<p:notes xmlns:a="http://schemas.openxmlformats.org/drawingml/2006/main" xmlns:r="http://schemas.openxmlformats.org/officeDocument/2006/relationships" xmlns:p="http://schemas.openxmlformats.org/presentationml/2006/main">
+  <p:cSld>
+    <p:spTree>
+      <p:nvGrpSpPr>
+        <p:cNvPr id="1" name=""/>
+        <p:cNvGrpSpPr/>
+        <p:nvPr/>
+      </p:nvGrpSpPr>
+      <p:grpSpPr>
+        <a:xfrm>
+          <a:off x="0" y="0"/>
+          <a:ext cx="0" cy="0"/>
+          <a:chOff x="0" y="0"/>
+          <a:chExt cx="0" cy="0"/>
+        </a:xfrm>
+      </p:grpSpPr>
+      <p:sp>
+        <p:nvSpPr>
+          <p:cNvPr id="2" name="Folienbildplatzhalter 1"/>
+          <p:cNvSpPr>
+            <a:spLocks noGrp="1" noRot="1" noChangeAspect="1"/>
+          </p:cNvSpPr>
+          <p:nvPr>
+            <p:ph type="sldImg"/>
+          </p:nvPr>
+        </p:nvSpPr>
+        <p:spPr/>
+      </p:sp>
+      <p:sp>
+        <p:nvSpPr>
+          <p:cNvPr id="3" name="Notizenplatzhalter 2"/>
+          <p:cNvSpPr>
+            <a:spLocks noGrp="1"/>
+          </p:cNvSpPr>
+          <p:nvPr>
+            <p:ph type="body" idx="1"/>
+          </p:nvPr>
+        </p:nvSpPr>
+        <p:spPr/>
+        <p:txBody>
+          <a:bodyPr>
+            <a:normAutofit/>
+          </a:bodyPr>
+          <a:lstStyle/>
+          <a:p>
+            <a:endParaRPr lang="de-CH"/>
+          </a:p>
+        </p:txBody>
+      </p:sp>
+      <p:sp>
+        <p:nvSpPr>
+          <p:cNvPr id="4" name="Foliennummernplatzhalter 3"/>
+          <p:cNvSpPr>
+            <a:spLocks noGrp="1"/>
+          </p:cNvSpPr>
+          <p:nvPr>
+            <p:ph type="sldNum" sz="quarter" idx="10"/>
+          </p:nvPr>
+        </p:nvSpPr>
+        <p:spPr/>
+        <p:txBody>
+          <a:bodyPr/>
+          <a:lstStyle/>
+          <a:p>
+            <a:fld id="{2A3A84E7-F05E-4CEF-A2C8-862075F1EB76}" type="slidenum">
+              <a:rPr lang="de-CH" smtClean="0"/>
+              <a:pPr/>
+              <a:t>8</a:t>
+            </a:fld>
+            <a:endParaRPr lang="de-CH"/>
+          </a:p>
+        </p:txBody>
+      </p:sp>
+    </p:spTree>
+  </p:cSld>
+  <p:clrMapOvr>
+    <a:masterClrMapping/>
+  </p:clrMapOvr>
+</p:notes>
+</file>
+
+<file path=ppt/notesSlides/notesSlide9.xml><?xml version="1.0" encoding="utf-8"?>
+<p:notes xmlns:a="http://schemas.openxmlformats.org/drawingml/2006/main" xmlns:r="http://schemas.openxmlformats.org/officeDocument/2006/relationships" xmlns:p="http://schemas.openxmlformats.org/presentationml/2006/main">
+  <p:cSld>
+    <p:spTree>
+      <p:nvGrpSpPr>
+        <p:cNvPr id="1" name=""/>
+        <p:cNvGrpSpPr/>
+        <p:nvPr/>
+      </p:nvGrpSpPr>
+      <p:grpSpPr>
+        <a:xfrm>
+          <a:off x="0" y="0"/>
+          <a:ext cx="0" cy="0"/>
+          <a:chOff x="0" y="0"/>
+          <a:chExt cx="0" cy="0"/>
+        </a:xfrm>
+      </p:grpSpPr>
+      <p:sp>
+        <p:nvSpPr>
+          <p:cNvPr id="2" name="Folienbildplatzhalter 1"/>
+          <p:cNvSpPr>
+            <a:spLocks noGrp="1" noRot="1" noChangeAspect="1"/>
+          </p:cNvSpPr>
+          <p:nvPr>
+            <p:ph type="sldImg"/>
+          </p:nvPr>
+        </p:nvSpPr>
+        <p:spPr/>
+      </p:sp>
+      <p:sp>
+        <p:nvSpPr>
+          <p:cNvPr id="3" name="Notizenplatzhalter 2"/>
+          <p:cNvSpPr>
+            <a:spLocks noGrp="1"/>
+          </p:cNvSpPr>
+          <p:nvPr>
+            <p:ph type="body" idx="1"/>
+          </p:nvPr>
+        </p:nvSpPr>
+        <p:spPr/>
+        <p:txBody>
+          <a:bodyPr>
+            <a:normAutofit/>
+          </a:bodyPr>
+          <a:lstStyle/>
+          <a:p>
+            <a:endParaRPr lang="de-CH"/>
+          </a:p>
+        </p:txBody>
+      </p:sp>
+      <p:sp>
+        <p:nvSpPr>
+          <p:cNvPr id="4" name="Foliennummernplatzhalter 3"/>
+          <p:cNvSpPr>
+            <a:spLocks noGrp="1"/>
+          </p:cNvSpPr>
+          <p:nvPr>
+            <p:ph type="sldNum" sz="quarter" idx="10"/>
+          </p:nvPr>
+        </p:nvSpPr>
+        <p:spPr/>
+        <p:txBody>
+          <a:bodyPr/>
+          <a:lstStyle/>
+          <a:p>
+            <a:fld id="{2A3A84E7-F05E-4CEF-A2C8-862075F1EB76}" type="slidenum">
+              <a:rPr lang="de-CH" smtClean="0"/>
+              <a:pPr/>
+              <a:t>9</a:t>
             </a:fld>
             <a:endParaRPr lang="de-CH"/>
           </a:p>
@@ -8205,6 +8998,7 @@
           <a:p>
             <a:fld id="{80F6B05F-E4F8-4E99-A5E6-DBA0ADFA6113}" type="datetimeFigureOut">
               <a:rPr lang="de-CH" smtClean="0"/>
+              <a:pPr/>
               <a:t>14.12.2014</a:t>
             </a:fld>
             <a:endParaRPr lang="de-CH"/>
@@ -8247,6 +9041,7 @@
           <a:p>
             <a:fld id="{03305899-F400-4CA4-952F-CD7782D81C6D}" type="slidenum">
               <a:rPr lang="de-CH" smtClean="0"/>
+              <a:pPr/>
               <a:t>‹Nr.›</a:t>
             </a:fld>
             <a:endParaRPr lang="de-CH"/>
@@ -8370,6 +9165,7 @@
           <a:p>
             <a:fld id="{80F6B05F-E4F8-4E99-A5E6-DBA0ADFA6113}" type="datetimeFigureOut">
               <a:rPr lang="de-CH" smtClean="0"/>
+              <a:pPr/>
               <a:t>14.12.2014</a:t>
             </a:fld>
             <a:endParaRPr lang="de-CH"/>
@@ -8412,6 +9208,7 @@
           <a:p>
             <a:fld id="{03305899-F400-4CA4-952F-CD7782D81C6D}" type="slidenum">
               <a:rPr lang="de-CH" smtClean="0"/>
+              <a:pPr/>
               <a:t>‹Nr.›</a:t>
             </a:fld>
             <a:endParaRPr lang="de-CH"/>
@@ -8545,6 +9342,7 @@
           <a:p>
             <a:fld id="{80F6B05F-E4F8-4E99-A5E6-DBA0ADFA6113}" type="datetimeFigureOut">
               <a:rPr lang="de-CH" smtClean="0"/>
+              <a:pPr/>
               <a:t>14.12.2014</a:t>
             </a:fld>
             <a:endParaRPr lang="de-CH"/>
@@ -8587,6 +9385,7 @@
           <a:p>
             <a:fld id="{03305899-F400-4CA4-952F-CD7782D81C6D}" type="slidenum">
               <a:rPr lang="de-CH" smtClean="0"/>
+              <a:pPr/>
               <a:t>‹Nr.›</a:t>
             </a:fld>
             <a:endParaRPr lang="de-CH"/>
@@ -8710,6 +9509,7 @@
           <a:p>
             <a:fld id="{80F6B05F-E4F8-4E99-A5E6-DBA0ADFA6113}" type="datetimeFigureOut">
               <a:rPr lang="de-CH" smtClean="0"/>
+              <a:pPr/>
               <a:t>14.12.2014</a:t>
             </a:fld>
             <a:endParaRPr lang="de-CH"/>
@@ -8752,6 +9552,7 @@
           <a:p>
             <a:fld id="{03305899-F400-4CA4-952F-CD7782D81C6D}" type="slidenum">
               <a:rPr lang="de-CH" smtClean="0"/>
+              <a:pPr/>
               <a:t>‹Nr.›</a:t>
             </a:fld>
             <a:endParaRPr lang="de-CH"/>
@@ -8951,6 +9752,7 @@
           <a:p>
             <a:fld id="{80F6B05F-E4F8-4E99-A5E6-DBA0ADFA6113}" type="datetimeFigureOut">
               <a:rPr lang="de-CH" smtClean="0"/>
+              <a:pPr/>
               <a:t>14.12.2014</a:t>
             </a:fld>
             <a:endParaRPr lang="de-CH"/>
@@ -8993,6 +9795,7 @@
           <a:p>
             <a:fld id="{03305899-F400-4CA4-952F-CD7782D81C6D}" type="slidenum">
               <a:rPr lang="de-CH" smtClean="0"/>
+              <a:pPr/>
               <a:t>‹Nr.›</a:t>
             </a:fld>
             <a:endParaRPr lang="de-CH"/>
@@ -9234,6 +10037,7 @@
           <a:p>
             <a:fld id="{80F6B05F-E4F8-4E99-A5E6-DBA0ADFA6113}" type="datetimeFigureOut">
               <a:rPr lang="de-CH" smtClean="0"/>
+              <a:pPr/>
               <a:t>14.12.2014</a:t>
             </a:fld>
             <a:endParaRPr lang="de-CH"/>
@@ -9276,6 +10080,7 @@
           <a:p>
             <a:fld id="{03305899-F400-4CA4-952F-CD7782D81C6D}" type="slidenum">
               <a:rPr lang="de-CH" smtClean="0"/>
+              <a:pPr/>
               <a:t>‹Nr.›</a:t>
             </a:fld>
             <a:endParaRPr lang="de-CH"/>
@@ -9651,6 +10456,7 @@
           <a:p>
             <a:fld id="{80F6B05F-E4F8-4E99-A5E6-DBA0ADFA6113}" type="datetimeFigureOut">
               <a:rPr lang="de-CH" smtClean="0"/>
+              <a:pPr/>
               <a:t>14.12.2014</a:t>
             </a:fld>
             <a:endParaRPr lang="de-CH"/>
@@ -9693,6 +10499,7 @@
           <a:p>
             <a:fld id="{03305899-F400-4CA4-952F-CD7782D81C6D}" type="slidenum">
               <a:rPr lang="de-CH" smtClean="0"/>
+              <a:pPr/>
               <a:t>‹Nr.›</a:t>
             </a:fld>
             <a:endParaRPr lang="de-CH"/>
@@ -9764,6 +10571,7 @@
           <a:p>
             <a:fld id="{80F6B05F-E4F8-4E99-A5E6-DBA0ADFA6113}" type="datetimeFigureOut">
               <a:rPr lang="de-CH" smtClean="0"/>
+              <a:pPr/>
               <a:t>14.12.2014</a:t>
             </a:fld>
             <a:endParaRPr lang="de-CH"/>
@@ -9806,6 +10614,7 @@
           <a:p>
             <a:fld id="{03305899-F400-4CA4-952F-CD7782D81C6D}" type="slidenum">
               <a:rPr lang="de-CH" smtClean="0"/>
+              <a:pPr/>
               <a:t>‹Nr.›</a:t>
             </a:fld>
             <a:endParaRPr lang="de-CH"/>
@@ -9854,6 +10663,7 @@
           <a:p>
             <a:fld id="{80F6B05F-E4F8-4E99-A5E6-DBA0ADFA6113}" type="datetimeFigureOut">
               <a:rPr lang="de-CH" smtClean="0"/>
+              <a:pPr/>
               <a:t>14.12.2014</a:t>
             </a:fld>
             <a:endParaRPr lang="de-CH"/>
@@ -9896,6 +10706,7 @@
           <a:p>
             <a:fld id="{03305899-F400-4CA4-952F-CD7782D81C6D}" type="slidenum">
               <a:rPr lang="de-CH" smtClean="0"/>
+              <a:pPr/>
               <a:t>‹Nr.›</a:t>
             </a:fld>
             <a:endParaRPr lang="de-CH"/>
@@ -10126,6 +10937,7 @@
           <a:p>
             <a:fld id="{80F6B05F-E4F8-4E99-A5E6-DBA0ADFA6113}" type="datetimeFigureOut">
               <a:rPr lang="de-CH" smtClean="0"/>
+              <a:pPr/>
               <a:t>14.12.2014</a:t>
             </a:fld>
             <a:endParaRPr lang="de-CH"/>
@@ -10168,6 +10980,7 @@
           <a:p>
             <a:fld id="{03305899-F400-4CA4-952F-CD7782D81C6D}" type="slidenum">
               <a:rPr lang="de-CH" smtClean="0"/>
+              <a:pPr/>
               <a:t>‹Nr.›</a:t>
             </a:fld>
             <a:endParaRPr lang="de-CH"/>
@@ -10374,6 +11187,7 @@
           <a:p>
             <a:fld id="{80F6B05F-E4F8-4E99-A5E6-DBA0ADFA6113}" type="datetimeFigureOut">
               <a:rPr lang="de-CH" smtClean="0"/>
+              <a:pPr/>
               <a:t>14.12.2014</a:t>
             </a:fld>
             <a:endParaRPr lang="de-CH"/>
@@ -10416,6 +11230,7 @@
           <a:p>
             <a:fld id="{03305899-F400-4CA4-952F-CD7782D81C6D}" type="slidenum">
               <a:rPr lang="de-CH" smtClean="0"/>
+              <a:pPr/>
               <a:t>‹Nr.›</a:t>
             </a:fld>
             <a:endParaRPr lang="de-CH"/>
@@ -10582,6 +11397,7 @@
           <a:p>
             <a:fld id="{80F6B05F-E4F8-4E99-A5E6-DBA0ADFA6113}" type="datetimeFigureOut">
               <a:rPr lang="de-CH" smtClean="0"/>
+              <a:pPr/>
               <a:t>14.12.2014</a:t>
             </a:fld>
             <a:endParaRPr lang="de-CH"/>
@@ -10660,6 +11476,7 @@
           <a:p>
             <a:fld id="{03305899-F400-4CA4-952F-CD7782D81C6D}" type="slidenum">
               <a:rPr lang="de-CH" smtClean="0"/>
+              <a:pPr/>
               <a:t>‹Nr.›</a:t>
             </a:fld>
             <a:endParaRPr lang="de-CH"/>
@@ -11099,6 +11916,251 @@
   <p:clrMapOvr>
     <a:masterClrMapping/>
   </p:clrMapOvr>
+  <p:timing>
+    <p:tnLst>
+      <p:par>
+        <p:cTn id="1" dur="indefinite" restart="never" nodeType="tmRoot"/>
+      </p:par>
+    </p:tnLst>
+  </p:timing>
+</p:sld>
+</file>
+
+<file path=ppt/slides/slide10.xml><?xml version="1.0" encoding="utf-8"?>
+<p:sld xmlns:a="http://schemas.openxmlformats.org/drawingml/2006/main" xmlns:r="http://schemas.openxmlformats.org/officeDocument/2006/relationships" xmlns:p="http://schemas.openxmlformats.org/presentationml/2006/main">
+  <p:cSld>
+    <p:spTree>
+      <p:nvGrpSpPr>
+        <p:cNvPr id="1" name=""/>
+        <p:cNvGrpSpPr/>
+        <p:nvPr/>
+      </p:nvGrpSpPr>
+      <p:grpSpPr>
+        <a:xfrm>
+          <a:off x="0" y="0"/>
+          <a:ext cx="0" cy="0"/>
+          <a:chOff x="0" y="0"/>
+          <a:chExt cx="0" cy="0"/>
+        </a:xfrm>
+      </p:grpSpPr>
+      <p:sp>
+        <p:nvSpPr>
+          <p:cNvPr id="2" name="Titel 1"/>
+          <p:cNvSpPr>
+            <a:spLocks noGrp="1"/>
+          </p:cNvSpPr>
+          <p:nvPr>
+            <p:ph type="title"/>
+          </p:nvPr>
+        </p:nvSpPr>
+        <p:spPr/>
+        <p:txBody>
+          <a:bodyPr>
+            <a:normAutofit/>
+          </a:bodyPr>
+          <a:lstStyle/>
+          <a:p>
+            <a:r>
+              <a:rPr lang="en-US" dirty="0" smtClean="0"/>
+              <a:t>Shortest-Path</a:t>
+            </a:r>
+            <a:endParaRPr lang="en-US" dirty="0"/>
+          </a:p>
+        </p:txBody>
+      </p:sp>
+      <p:pic>
+        <p:nvPicPr>
+          <p:cNvPr id="4" name="Inhaltsplatzhalter 3" descr="smallest_distance.png"/>
+          <p:cNvPicPr>
+            <a:picLocks noGrp="1" noChangeAspect="1"/>
+          </p:cNvPicPr>
+          <p:nvPr>
+            <p:ph idx="1"/>
+          </p:nvPr>
+        </p:nvPicPr>
+        <p:blipFill>
+          <a:blip r:embed="rId3" cstate="print"/>
+          <a:srcRect t="27679" b="26182"/>
+          <a:stretch>
+            <a:fillRect/>
+          </a:stretch>
+        </p:blipFill>
+        <p:spPr>
+          <a:xfrm>
+            <a:off x="1763688" y="2348880"/>
+            <a:ext cx="5852160" cy="2700128"/>
+          </a:xfrm>
+        </p:spPr>
+      </p:pic>
+    </p:spTree>
+  </p:cSld>
+  <p:clrMapOvr>
+    <a:masterClrMapping/>
+  </p:clrMapOvr>
+  <p:timing>
+    <p:tnLst>
+      <p:par>
+        <p:cTn id="1" dur="indefinite" restart="never" nodeType="tmRoot"/>
+      </p:par>
+    </p:tnLst>
+  </p:timing>
+</p:sld>
+</file>
+
+<file path=ppt/slides/slide11.xml><?xml version="1.0" encoding="utf-8"?>
+<p:sld xmlns:a="http://schemas.openxmlformats.org/drawingml/2006/main" xmlns:r="http://schemas.openxmlformats.org/officeDocument/2006/relationships" xmlns:p="http://schemas.openxmlformats.org/presentationml/2006/main">
+  <p:cSld>
+    <p:spTree>
+      <p:nvGrpSpPr>
+        <p:cNvPr id="1" name=""/>
+        <p:cNvGrpSpPr/>
+        <p:nvPr/>
+      </p:nvGrpSpPr>
+      <p:grpSpPr>
+        <a:xfrm>
+          <a:off x="0" y="0"/>
+          <a:ext cx="0" cy="0"/>
+          <a:chOff x="0" y="0"/>
+          <a:chExt cx="0" cy="0"/>
+        </a:xfrm>
+      </p:grpSpPr>
+      <p:sp>
+        <p:nvSpPr>
+          <p:cNvPr id="2" name="Titel 1"/>
+          <p:cNvSpPr>
+            <a:spLocks noGrp="1"/>
+          </p:cNvSpPr>
+          <p:nvPr>
+            <p:ph type="title"/>
+          </p:nvPr>
+        </p:nvSpPr>
+        <p:spPr/>
+        <p:txBody>
+          <a:bodyPr/>
+          <a:lstStyle/>
+          <a:p>
+            <a:r>
+              <a:rPr lang="en-US" dirty="0" smtClean="0"/>
+              <a:t>Resilience</a:t>
+            </a:r>
+            <a:endParaRPr lang="en-US" dirty="0"/>
+          </a:p>
+        </p:txBody>
+      </p:sp>
+      <p:pic>
+        <p:nvPicPr>
+          <p:cNvPr id="5" name="Grafik 4" descr="fullConnedtedShortestNetworkDistanceChange.png"/>
+          <p:cNvPicPr>
+            <a:picLocks noChangeAspect="1"/>
+          </p:cNvPicPr>
+          <p:nvPr/>
+        </p:nvPicPr>
+        <p:blipFill>
+          <a:blip r:embed="rId3" cstate="print"/>
+          <a:stretch>
+            <a:fillRect/>
+          </a:stretch>
+        </p:blipFill>
+        <p:spPr>
+          <a:xfrm>
+            <a:off x="1547664" y="1340768"/>
+            <a:ext cx="6044445" cy="4533334"/>
+          </a:xfrm>
+          <a:prstGeom prst="rect">
+            <a:avLst/>
+          </a:prstGeom>
+        </p:spPr>
+      </p:pic>
+    </p:spTree>
+  </p:cSld>
+  <p:clrMapOvr>
+    <a:masterClrMapping/>
+  </p:clrMapOvr>
+  <p:timing>
+    <p:tnLst>
+      <p:par>
+        <p:cTn id="1" dur="indefinite" restart="never" nodeType="tmRoot"/>
+      </p:par>
+    </p:tnLst>
+  </p:timing>
+</p:sld>
+</file>
+
+<file path=ppt/slides/slide12.xml><?xml version="1.0" encoding="utf-8"?>
+<p:sld xmlns:a="http://schemas.openxmlformats.org/drawingml/2006/main" xmlns:r="http://schemas.openxmlformats.org/officeDocument/2006/relationships" xmlns:p="http://schemas.openxmlformats.org/presentationml/2006/main">
+  <p:cSld>
+    <p:spTree>
+      <p:nvGrpSpPr>
+        <p:cNvPr id="1" name=""/>
+        <p:cNvGrpSpPr/>
+        <p:nvPr/>
+      </p:nvGrpSpPr>
+      <p:grpSpPr>
+        <a:xfrm>
+          <a:off x="0" y="0"/>
+          <a:ext cx="0" cy="0"/>
+          <a:chOff x="0" y="0"/>
+          <a:chExt cx="0" cy="0"/>
+        </a:xfrm>
+      </p:grpSpPr>
+      <p:sp>
+        <p:nvSpPr>
+          <p:cNvPr id="2" name="Titel 1"/>
+          <p:cNvSpPr>
+            <a:spLocks noGrp="1"/>
+          </p:cNvSpPr>
+          <p:nvPr>
+            <p:ph type="title"/>
+          </p:nvPr>
+        </p:nvSpPr>
+        <p:spPr/>
+        <p:txBody>
+          <a:bodyPr/>
+          <a:lstStyle/>
+          <a:p>
+            <a:r>
+              <a:rPr lang="en-US" dirty="0" smtClean="0"/>
+              <a:t>Resilience</a:t>
+            </a:r>
+            <a:endParaRPr lang="en-US" dirty="0"/>
+          </a:p>
+        </p:txBody>
+      </p:sp>
+      <p:pic>
+        <p:nvPicPr>
+          <p:cNvPr id="4" name="Inhaltsplatzhalter 3" descr="connectedNetworkDistanceChange.png"/>
+          <p:cNvPicPr>
+            <a:picLocks noGrp="1" noChangeAspect="1"/>
+          </p:cNvPicPr>
+          <p:nvPr>
+            <p:ph idx="1"/>
+          </p:nvPr>
+        </p:nvPicPr>
+        <p:blipFill>
+          <a:blip r:embed="rId3" cstate="print"/>
+          <a:stretch>
+            <a:fillRect/>
+          </a:stretch>
+        </p:blipFill>
+        <p:spPr>
+          <a:xfrm>
+            <a:off x="1554691" y="1600200"/>
+            <a:ext cx="6034617" cy="4525963"/>
+          </a:xfrm>
+        </p:spPr>
+      </p:pic>
+    </p:spTree>
+  </p:cSld>
+  <p:clrMapOvr>
+    <a:masterClrMapping/>
+  </p:clrMapOvr>
+  <p:timing>
+    <p:tnLst>
+      <p:par>
+        <p:cTn id="1" dur="indefinite" restart="never" nodeType="tmRoot"/>
+      </p:par>
+    </p:tnLst>
+  </p:timing>
 </p:sld>
 </file>
 
@@ -11148,7 +12210,11 @@
             </a:r>
             <a:r>
               <a:rPr lang="de-CH" dirty="0" smtClean="0"/>
-              <a:t> model</a:t>
+              <a:t> </a:t>
+            </a:r>
+            <a:r>
+              <a:rPr lang="de-CH" dirty="0" smtClean="0"/>
+              <a:t>Model</a:t>
             </a:r>
             <a:endParaRPr lang="de-CH" dirty="0"/>
           </a:p>
@@ -11179,6 +12245,13 @@
   <p:clrMapOvr>
     <a:masterClrMapping/>
   </p:clrMapOvr>
+  <p:timing>
+    <p:tnLst>
+      <p:par>
+        <p:cTn id="1" dur="indefinite" restart="never" nodeType="tmRoot"/>
+      </p:par>
+    </p:tnLst>
+  </p:timing>
 </p:sld>
 </file>
 
@@ -11228,7 +12301,11 @@
             </a:r>
             <a:r>
               <a:rPr lang="de-CH" dirty="0" smtClean="0"/>
-              <a:t> model</a:t>
+              <a:t> </a:t>
+            </a:r>
+            <a:r>
+              <a:rPr lang="de-CH" dirty="0" smtClean="0"/>
+              <a:t>Model</a:t>
             </a:r>
             <a:endParaRPr lang="de-CH" dirty="0"/>
           </a:p>
@@ -11302,6 +12379,13 @@
   <p:clrMapOvr>
     <a:masterClrMapping/>
   </p:clrMapOvr>
+  <p:timing>
+    <p:tnLst>
+      <p:par>
+        <p:cTn id="1" dur="indefinite" restart="never" nodeType="tmRoot"/>
+      </p:par>
+    </p:tnLst>
+  </p:timing>
 </p:sld>
 </file>
 
@@ -11339,7 +12423,11 @@
           <a:p>
             <a:r>
               <a:rPr lang="de-CH" dirty="0" smtClean="0"/>
-              <a:t>Gravity model</a:t>
+              <a:t>Gravity </a:t>
+            </a:r>
+            <a:r>
+              <a:rPr lang="de-CH" dirty="0" smtClean="0"/>
+              <a:t>Model</a:t>
             </a:r>
             <a:endParaRPr lang="de-CH" dirty="0"/>
           </a:p>
@@ -11564,7 +12652,11 @@
           <a:p>
             <a:r>
               <a:rPr lang="de-CH" dirty="0" smtClean="0"/>
-              <a:t>Gravity model</a:t>
+              <a:t>Gravity </a:t>
+            </a:r>
+            <a:r>
+              <a:rPr lang="de-CH" dirty="0" smtClean="0"/>
+              <a:t>Model</a:t>
             </a:r>
             <a:endParaRPr lang="de-CH" dirty="0"/>
           </a:p>
@@ -11707,6 +12799,863 @@
   <p:clrMapOvr>
     <a:masterClrMapping/>
   </p:clrMapOvr>
+  <p:timing>
+    <p:tnLst>
+      <p:par>
+        <p:cTn id="1" dur="indefinite" restart="never" nodeType="tmRoot"/>
+      </p:par>
+    </p:tnLst>
+  </p:timing>
+</p:sld>
+</file>
+
+<file path=ppt/slides/slide6.xml><?xml version="1.0" encoding="utf-8"?>
+<p:sld xmlns:a="http://schemas.openxmlformats.org/drawingml/2006/main" xmlns:r="http://schemas.openxmlformats.org/officeDocument/2006/relationships" xmlns:p="http://schemas.openxmlformats.org/presentationml/2006/main">
+  <p:cSld>
+    <p:spTree>
+      <p:nvGrpSpPr>
+        <p:cNvPr id="1" name=""/>
+        <p:cNvGrpSpPr/>
+        <p:nvPr/>
+      </p:nvGrpSpPr>
+      <p:grpSpPr>
+        <a:xfrm>
+          <a:off x="0" y="0"/>
+          <a:ext cx="0" cy="0"/>
+          <a:chOff x="0" y="0"/>
+          <a:chExt cx="0" cy="0"/>
+        </a:xfrm>
+      </p:grpSpPr>
+      <p:sp>
+        <p:nvSpPr>
+          <p:cNvPr id="2" name="Titel 1"/>
+          <p:cNvSpPr>
+            <a:spLocks noGrp="1"/>
+          </p:cNvSpPr>
+          <p:nvPr>
+            <p:ph type="title"/>
+          </p:nvPr>
+        </p:nvSpPr>
+        <p:spPr/>
+        <p:txBody>
+          <a:bodyPr/>
+          <a:lstStyle/>
+          <a:p>
+            <a:r>
+              <a:rPr lang="de-CH" dirty="0" smtClean="0"/>
+              <a:t>Gravity model</a:t>
+            </a:r>
+            <a:endParaRPr lang="de-CH" dirty="0"/>
+          </a:p>
+        </p:txBody>
+      </p:sp>
+      <p:sp>
+        <p:nvSpPr>
+          <p:cNvPr id="3" name="Inhaltsplatzhalter 2"/>
+          <p:cNvSpPr>
+            <a:spLocks noGrp="1"/>
+          </p:cNvSpPr>
+          <p:nvPr>
+            <p:ph idx="1"/>
+          </p:nvPr>
+        </p:nvSpPr>
+        <p:spPr/>
+        <p:txBody>
+          <a:bodyPr/>
+          <a:lstStyle/>
+          <a:p>
+            <a:endParaRPr lang="de-CH" dirty="0"/>
+          </a:p>
+        </p:txBody>
+      </p:sp>
+      <p:sp>
+        <p:nvSpPr>
+          <p:cNvPr id="2050" name="Rectangle 2"/>
+          <p:cNvSpPr>
+            <a:spLocks noChangeArrowheads="1"/>
+          </p:cNvSpPr>
+          <p:nvPr/>
+        </p:nvSpPr>
+        <p:spPr bwMode="auto">
+          <a:xfrm>
+            <a:off x="0" y="0"/>
+            <a:ext cx="9144000" cy="0"/>
+          </a:xfrm>
+          <a:prstGeom prst="rect">
+            <a:avLst/>
+          </a:prstGeom>
+          <a:noFill/>
+          <a:ln w="9525">
+            <a:noFill/>
+            <a:miter lim="800000"/>
+            <a:headEnd/>
+            <a:tailEnd/>
+          </a:ln>
+          <a:effectLst/>
+        </p:spPr>
+        <p:txBody>
+          <a:bodyPr vert="horz" wrap="none" lIns="91440" tIns="45720" rIns="91440" bIns="45720" numCol="1" anchor="ctr" anchorCtr="0" compatLnSpc="1">
+            <a:prstTxWarp prst="textNoShape">
+              <a:avLst/>
+            </a:prstTxWarp>
+            <a:spAutoFit/>
+          </a:bodyPr>
+          <a:lstStyle/>
+          <a:p>
+            <a:endParaRPr lang="de-CH"/>
+          </a:p>
+        </p:txBody>
+      </p:sp>
+      <p:sp>
+        <p:nvSpPr>
+          <p:cNvPr id="2052" name="Rectangle 4"/>
+          <p:cNvSpPr>
+            <a:spLocks noChangeArrowheads="1"/>
+          </p:cNvSpPr>
+          <p:nvPr/>
+        </p:nvSpPr>
+        <p:spPr bwMode="auto">
+          <a:xfrm>
+            <a:off x="0" y="0"/>
+            <a:ext cx="9144000" cy="0"/>
+          </a:xfrm>
+          <a:prstGeom prst="rect">
+            <a:avLst/>
+          </a:prstGeom>
+          <a:noFill/>
+          <a:ln w="9525">
+            <a:noFill/>
+            <a:miter lim="800000"/>
+            <a:headEnd/>
+            <a:tailEnd/>
+          </a:ln>
+          <a:effectLst/>
+        </p:spPr>
+        <p:txBody>
+          <a:bodyPr vert="horz" wrap="none" lIns="91440" tIns="45720" rIns="91440" bIns="45720" numCol="1" anchor="ctr" anchorCtr="0" compatLnSpc="1">
+            <a:prstTxWarp prst="textNoShape">
+              <a:avLst/>
+            </a:prstTxWarp>
+            <a:spAutoFit/>
+          </a:bodyPr>
+          <a:lstStyle/>
+          <a:p>
+            <a:endParaRPr lang="de-CH"/>
+          </a:p>
+        </p:txBody>
+      </p:sp>
+      <p:pic>
+        <p:nvPicPr>
+          <p:cNvPr id="2051" name="Picture 3"/>
+          <p:cNvPicPr>
+            <a:picLocks noChangeAspect="1" noChangeArrowheads="1"/>
+          </p:cNvPicPr>
+          <p:nvPr/>
+        </p:nvPicPr>
+        <p:blipFill>
+          <a:blip r:embed="rId3" cstate="print">
+            <a:clrChange>
+              <a:clrFrom>
+                <a:srgbClr val="FFFFFF"/>
+              </a:clrFrom>
+              <a:clrTo>
+                <a:srgbClr val="FFFFFF">
+                  <a:alpha val="0"/>
+                </a:srgbClr>
+              </a:clrTo>
+            </a:clrChange>
+          </a:blip>
+          <a:srcRect/>
+          <a:stretch>
+            <a:fillRect/>
+          </a:stretch>
+        </p:blipFill>
+        <p:spPr bwMode="auto">
+          <a:xfrm>
+            <a:off x="1331640" y="2636912"/>
+            <a:ext cx="6320667" cy="1988667"/>
+          </a:xfrm>
+          <a:prstGeom prst="rect">
+            <a:avLst/>
+          </a:prstGeom>
+          <a:noFill/>
+        </p:spPr>
+      </p:pic>
+    </p:spTree>
+  </p:cSld>
+  <p:clrMapOvr>
+    <a:masterClrMapping/>
+  </p:clrMapOvr>
+  <p:timing>
+    <p:tnLst>
+      <p:par>
+        <p:cTn id="1" dur="indefinite" restart="never" nodeType="tmRoot"/>
+      </p:par>
+    </p:tnLst>
+  </p:timing>
+</p:sld>
+</file>
+
+<file path=ppt/slides/slide7.xml><?xml version="1.0" encoding="utf-8"?>
+<p:sld xmlns:a="http://schemas.openxmlformats.org/drawingml/2006/main" xmlns:r="http://schemas.openxmlformats.org/officeDocument/2006/relationships" xmlns:p="http://schemas.openxmlformats.org/presentationml/2006/main">
+  <p:cSld>
+    <p:spTree>
+      <p:nvGrpSpPr>
+        <p:cNvPr id="1" name=""/>
+        <p:cNvGrpSpPr/>
+        <p:nvPr/>
+      </p:nvGrpSpPr>
+      <p:grpSpPr>
+        <a:xfrm>
+          <a:off x="0" y="0"/>
+          <a:ext cx="0" cy="0"/>
+          <a:chOff x="0" y="0"/>
+          <a:chExt cx="0" cy="0"/>
+        </a:xfrm>
+      </p:grpSpPr>
+      <p:sp>
+        <p:nvSpPr>
+          <p:cNvPr id="2" name="Titel 1"/>
+          <p:cNvSpPr>
+            <a:spLocks noGrp="1"/>
+          </p:cNvSpPr>
+          <p:nvPr>
+            <p:ph type="title"/>
+          </p:nvPr>
+        </p:nvSpPr>
+        <p:spPr/>
+        <p:txBody>
+          <a:bodyPr/>
+          <a:lstStyle/>
+          <a:p>
+            <a:r>
+              <a:rPr lang="en-US" dirty="0" smtClean="0"/>
+              <a:t>Adjacency matrix</a:t>
+            </a:r>
+            <a:endParaRPr lang="en-US" dirty="0"/>
+          </a:p>
+        </p:txBody>
+      </p:sp>
+      <p:pic>
+        <p:nvPicPr>
+          <p:cNvPr id="12" name="Grafik 11" descr="smallnetwork.png"/>
+          <p:cNvPicPr>
+            <a:picLocks noChangeAspect="1"/>
+          </p:cNvPicPr>
+          <p:nvPr/>
+        </p:nvPicPr>
+        <p:blipFill>
+          <a:blip r:embed="rId3" cstate="print"/>
+          <a:srcRect t="29531" b="24327"/>
+          <a:stretch>
+            <a:fillRect/>
+          </a:stretch>
+        </p:blipFill>
+        <p:spPr>
+          <a:xfrm>
+            <a:off x="3851920" y="3933056"/>
+            <a:ext cx="4876800" cy="2250253"/>
+          </a:xfrm>
+          <a:prstGeom prst="rect">
+            <a:avLst/>
+          </a:prstGeom>
+        </p:spPr>
+      </p:pic>
+      <p:graphicFrame>
+        <p:nvGraphicFramePr>
+          <p:cNvPr id="17" name="Tabelle 16"/>
+          <p:cNvGraphicFramePr>
+            <a:graphicFrameLocks noGrp="1"/>
+          </p:cNvGraphicFramePr>
+          <p:nvPr/>
+        </p:nvGraphicFramePr>
+        <p:xfrm>
+          <a:off x="611560" y="1484784"/>
+          <a:ext cx="6096000" cy="1854200"/>
+        </p:xfrm>
+        <a:graphic>
+          <a:graphicData uri="http://schemas.openxmlformats.org/drawingml/2006/table">
+            <a:tbl>
+              <a:tblPr>
+                <a:tableStyleId>{5C22544A-7EE6-4342-B048-85BDC9FD1C3A}</a:tableStyleId>
+              </a:tblPr>
+              <a:tblGrid>
+                <a:gridCol w="1219200"/>
+                <a:gridCol w="1219200"/>
+                <a:gridCol w="1219200"/>
+                <a:gridCol w="1219200"/>
+                <a:gridCol w="1219200"/>
+              </a:tblGrid>
+              <a:tr h="370840">
+                <a:tc>
+                  <a:txBody>
+                    <a:bodyPr/>
+                    <a:lstStyle/>
+                    <a:p>
+                      <a:pPr algn="ctr"/>
+                      <a:r>
+                        <a:rPr lang="de-CH" b="1" dirty="0" smtClean="0"/>
+                        <a:t>Nodes</a:t>
+                      </a:r>
+                      <a:endParaRPr lang="de-CH" b="1" dirty="0"/>
+                    </a:p>
+                  </a:txBody>
+                  <a:tcPr/>
+                </a:tc>
+                <a:tc>
+                  <a:txBody>
+                    <a:bodyPr/>
+                    <a:lstStyle/>
+                    <a:p>
+                      <a:pPr algn="ctr"/>
+                      <a:r>
+                        <a:rPr lang="de-CH" dirty="0" smtClean="0"/>
+                        <a:t>A</a:t>
+                      </a:r>
+                      <a:endParaRPr lang="de-CH" dirty="0"/>
+                    </a:p>
+                  </a:txBody>
+                  <a:tcPr/>
+                </a:tc>
+                <a:tc>
+                  <a:txBody>
+                    <a:bodyPr/>
+                    <a:lstStyle/>
+                    <a:p>
+                      <a:pPr algn="ctr"/>
+                      <a:r>
+                        <a:rPr lang="de-CH" dirty="0" smtClean="0"/>
+                        <a:t>B</a:t>
+                      </a:r>
+                      <a:endParaRPr lang="de-CH" dirty="0"/>
+                    </a:p>
+                  </a:txBody>
+                  <a:tcPr/>
+                </a:tc>
+                <a:tc>
+                  <a:txBody>
+                    <a:bodyPr/>
+                    <a:lstStyle/>
+                    <a:p>
+                      <a:pPr algn="ctr"/>
+                      <a:r>
+                        <a:rPr lang="de-CH" dirty="0" smtClean="0"/>
+                        <a:t>C</a:t>
+                      </a:r>
+                      <a:endParaRPr lang="de-CH" dirty="0"/>
+                    </a:p>
+                  </a:txBody>
+                  <a:tcPr/>
+                </a:tc>
+                <a:tc>
+                  <a:txBody>
+                    <a:bodyPr/>
+                    <a:lstStyle/>
+                    <a:p>
+                      <a:pPr algn="ctr"/>
+                      <a:r>
+                        <a:rPr lang="de-CH" dirty="0" smtClean="0"/>
+                        <a:t>D</a:t>
+                      </a:r>
+                      <a:endParaRPr lang="de-CH" dirty="0"/>
+                    </a:p>
+                  </a:txBody>
+                  <a:tcPr/>
+                </a:tc>
+              </a:tr>
+              <a:tr h="370840">
+                <a:tc>
+                  <a:txBody>
+                    <a:bodyPr/>
+                    <a:lstStyle/>
+                    <a:p>
+                      <a:pPr algn="ctr"/>
+                      <a:r>
+                        <a:rPr lang="de-CH" dirty="0" smtClean="0"/>
+                        <a:t>A</a:t>
+                      </a:r>
+                    </a:p>
+                  </a:txBody>
+                  <a:tcPr/>
+                </a:tc>
+                <a:tc>
+                  <a:txBody>
+                    <a:bodyPr/>
+                    <a:lstStyle/>
+                    <a:p>
+                      <a:pPr algn="ctr"/>
+                      <a:r>
+                        <a:rPr lang="de-CH" dirty="0" smtClean="0"/>
+                        <a:t>0</a:t>
+                      </a:r>
+                      <a:endParaRPr lang="de-CH" dirty="0"/>
+                    </a:p>
+                  </a:txBody>
+                  <a:tcPr/>
+                </a:tc>
+                <a:tc>
+                  <a:txBody>
+                    <a:bodyPr/>
+                    <a:lstStyle/>
+                    <a:p>
+                      <a:pPr algn="ctr"/>
+                      <a:r>
+                        <a:rPr lang="de-CH" dirty="0" smtClean="0"/>
+                        <a:t>1</a:t>
+                      </a:r>
+                      <a:endParaRPr lang="de-CH" dirty="0"/>
+                    </a:p>
+                  </a:txBody>
+                  <a:tcPr/>
+                </a:tc>
+                <a:tc>
+                  <a:txBody>
+                    <a:bodyPr/>
+                    <a:lstStyle/>
+                    <a:p>
+                      <a:pPr algn="ctr"/>
+                      <a:r>
+                        <a:rPr lang="de-CH" dirty="0" smtClean="0"/>
+                        <a:t>0</a:t>
+                      </a:r>
+                      <a:endParaRPr lang="de-CH" dirty="0"/>
+                    </a:p>
+                  </a:txBody>
+                  <a:tcPr/>
+                </a:tc>
+                <a:tc>
+                  <a:txBody>
+                    <a:bodyPr/>
+                    <a:lstStyle/>
+                    <a:p>
+                      <a:pPr algn="ctr"/>
+                      <a:r>
+                        <a:rPr lang="de-CH" dirty="0" smtClean="0"/>
+                        <a:t>0</a:t>
+                      </a:r>
+                      <a:endParaRPr lang="de-CH" dirty="0"/>
+                    </a:p>
+                  </a:txBody>
+                  <a:tcPr/>
+                </a:tc>
+              </a:tr>
+              <a:tr h="370840">
+                <a:tc>
+                  <a:txBody>
+                    <a:bodyPr/>
+                    <a:lstStyle/>
+                    <a:p>
+                      <a:pPr algn="ctr"/>
+                      <a:r>
+                        <a:rPr lang="de-CH" dirty="0" smtClean="0"/>
+                        <a:t>B</a:t>
+                      </a:r>
+                      <a:endParaRPr lang="de-CH" dirty="0"/>
+                    </a:p>
+                  </a:txBody>
+                  <a:tcPr/>
+                </a:tc>
+                <a:tc>
+                  <a:txBody>
+                    <a:bodyPr/>
+                    <a:lstStyle/>
+                    <a:p>
+                      <a:pPr algn="ctr"/>
+                      <a:r>
+                        <a:rPr lang="de-CH" dirty="0" smtClean="0"/>
+                        <a:t>1</a:t>
+                      </a:r>
+                      <a:endParaRPr lang="de-CH" dirty="0"/>
+                    </a:p>
+                  </a:txBody>
+                  <a:tcPr/>
+                </a:tc>
+                <a:tc>
+                  <a:txBody>
+                    <a:bodyPr/>
+                    <a:lstStyle/>
+                    <a:p>
+                      <a:pPr algn="ctr"/>
+                      <a:r>
+                        <a:rPr lang="de-CH" dirty="0" smtClean="0"/>
+                        <a:t>0</a:t>
+                      </a:r>
+                      <a:endParaRPr lang="de-CH" dirty="0"/>
+                    </a:p>
+                  </a:txBody>
+                  <a:tcPr/>
+                </a:tc>
+                <a:tc>
+                  <a:txBody>
+                    <a:bodyPr/>
+                    <a:lstStyle/>
+                    <a:p>
+                      <a:pPr algn="ctr"/>
+                      <a:r>
+                        <a:rPr lang="de-CH" dirty="0" smtClean="0"/>
+                        <a:t>1</a:t>
+                      </a:r>
+                      <a:endParaRPr lang="de-CH" dirty="0"/>
+                    </a:p>
+                  </a:txBody>
+                  <a:tcPr/>
+                </a:tc>
+                <a:tc>
+                  <a:txBody>
+                    <a:bodyPr/>
+                    <a:lstStyle/>
+                    <a:p>
+                      <a:pPr algn="ctr"/>
+                      <a:r>
+                        <a:rPr lang="de-CH" dirty="0" smtClean="0"/>
+                        <a:t>1</a:t>
+                      </a:r>
+                      <a:endParaRPr lang="de-CH" dirty="0"/>
+                    </a:p>
+                  </a:txBody>
+                  <a:tcPr/>
+                </a:tc>
+              </a:tr>
+              <a:tr h="370840">
+                <a:tc>
+                  <a:txBody>
+                    <a:bodyPr/>
+                    <a:lstStyle/>
+                    <a:p>
+                      <a:pPr algn="ctr"/>
+                      <a:r>
+                        <a:rPr lang="de-CH" dirty="0" smtClean="0"/>
+                        <a:t>C</a:t>
+                      </a:r>
+                      <a:endParaRPr lang="de-CH" dirty="0"/>
+                    </a:p>
+                  </a:txBody>
+                  <a:tcPr/>
+                </a:tc>
+                <a:tc>
+                  <a:txBody>
+                    <a:bodyPr/>
+                    <a:lstStyle/>
+                    <a:p>
+                      <a:pPr algn="ctr"/>
+                      <a:r>
+                        <a:rPr lang="de-CH" dirty="0" smtClean="0"/>
+                        <a:t>0</a:t>
+                      </a:r>
+                      <a:endParaRPr lang="de-CH" dirty="0"/>
+                    </a:p>
+                  </a:txBody>
+                  <a:tcPr/>
+                </a:tc>
+                <a:tc>
+                  <a:txBody>
+                    <a:bodyPr/>
+                    <a:lstStyle/>
+                    <a:p>
+                      <a:pPr algn="ctr"/>
+                      <a:r>
+                        <a:rPr lang="de-CH" dirty="0" smtClean="0"/>
+                        <a:t>1</a:t>
+                      </a:r>
+                      <a:endParaRPr lang="de-CH" dirty="0"/>
+                    </a:p>
+                  </a:txBody>
+                  <a:tcPr/>
+                </a:tc>
+                <a:tc>
+                  <a:txBody>
+                    <a:bodyPr/>
+                    <a:lstStyle/>
+                    <a:p>
+                      <a:pPr algn="ctr"/>
+                      <a:r>
+                        <a:rPr lang="de-CH" dirty="0" smtClean="0"/>
+                        <a:t>0</a:t>
+                      </a:r>
+                      <a:endParaRPr lang="de-CH" dirty="0"/>
+                    </a:p>
+                  </a:txBody>
+                  <a:tcPr/>
+                </a:tc>
+                <a:tc>
+                  <a:txBody>
+                    <a:bodyPr/>
+                    <a:lstStyle/>
+                    <a:p>
+                      <a:pPr algn="ctr"/>
+                      <a:r>
+                        <a:rPr lang="de-CH" dirty="0" smtClean="0"/>
+                        <a:t>1</a:t>
+                      </a:r>
+                      <a:endParaRPr lang="de-CH" dirty="0"/>
+                    </a:p>
+                  </a:txBody>
+                  <a:tcPr/>
+                </a:tc>
+              </a:tr>
+              <a:tr h="370840">
+                <a:tc>
+                  <a:txBody>
+                    <a:bodyPr/>
+                    <a:lstStyle/>
+                    <a:p>
+                      <a:pPr algn="ctr"/>
+                      <a:r>
+                        <a:rPr lang="de-CH" dirty="0" smtClean="0"/>
+                        <a:t>D</a:t>
+                      </a:r>
+                      <a:endParaRPr lang="de-CH" dirty="0"/>
+                    </a:p>
+                  </a:txBody>
+                  <a:tcPr/>
+                </a:tc>
+                <a:tc>
+                  <a:txBody>
+                    <a:bodyPr/>
+                    <a:lstStyle/>
+                    <a:p>
+                      <a:pPr algn="ctr"/>
+                      <a:r>
+                        <a:rPr lang="de-CH" dirty="0" smtClean="0"/>
+                        <a:t>0</a:t>
+                      </a:r>
+                      <a:endParaRPr lang="de-CH" dirty="0"/>
+                    </a:p>
+                  </a:txBody>
+                  <a:tcPr/>
+                </a:tc>
+                <a:tc>
+                  <a:txBody>
+                    <a:bodyPr/>
+                    <a:lstStyle/>
+                    <a:p>
+                      <a:pPr algn="ctr"/>
+                      <a:r>
+                        <a:rPr lang="de-CH" dirty="0" smtClean="0"/>
+                        <a:t>1</a:t>
+                      </a:r>
+                      <a:endParaRPr lang="de-CH" dirty="0"/>
+                    </a:p>
+                  </a:txBody>
+                  <a:tcPr/>
+                </a:tc>
+                <a:tc>
+                  <a:txBody>
+                    <a:bodyPr/>
+                    <a:lstStyle/>
+                    <a:p>
+                      <a:pPr algn="ctr"/>
+                      <a:r>
+                        <a:rPr lang="de-CH" dirty="0" smtClean="0"/>
+                        <a:t>1</a:t>
+                      </a:r>
+                      <a:endParaRPr lang="de-CH" dirty="0"/>
+                    </a:p>
+                  </a:txBody>
+                  <a:tcPr/>
+                </a:tc>
+                <a:tc>
+                  <a:txBody>
+                    <a:bodyPr/>
+                    <a:lstStyle/>
+                    <a:p>
+                      <a:pPr algn="ctr"/>
+                      <a:r>
+                        <a:rPr lang="de-CH" dirty="0" smtClean="0"/>
+                        <a:t>0</a:t>
+                      </a:r>
+                      <a:endParaRPr lang="de-CH" dirty="0"/>
+                    </a:p>
+                  </a:txBody>
+                  <a:tcPr/>
+                </a:tc>
+              </a:tr>
+            </a:tbl>
+          </a:graphicData>
+        </a:graphic>
+      </p:graphicFrame>
+    </p:spTree>
+  </p:cSld>
+  <p:clrMapOvr>
+    <a:masterClrMapping/>
+  </p:clrMapOvr>
+  <p:timing>
+    <p:tnLst>
+      <p:par>
+        <p:cTn id="1" dur="indefinite" restart="never" nodeType="tmRoot"/>
+      </p:par>
+    </p:tnLst>
+  </p:timing>
+</p:sld>
+</file>
+
+<file path=ppt/slides/slide8.xml><?xml version="1.0" encoding="utf-8"?>
+<p:sld xmlns:a="http://schemas.openxmlformats.org/drawingml/2006/main" xmlns:r="http://schemas.openxmlformats.org/officeDocument/2006/relationships" xmlns:p="http://schemas.openxmlformats.org/presentationml/2006/main">
+  <p:cSld>
+    <p:spTree>
+      <p:nvGrpSpPr>
+        <p:cNvPr id="1" name=""/>
+        <p:cNvGrpSpPr/>
+        <p:nvPr/>
+      </p:nvGrpSpPr>
+      <p:grpSpPr>
+        <a:xfrm>
+          <a:off x="0" y="0"/>
+          <a:ext cx="0" cy="0"/>
+          <a:chOff x="0" y="0"/>
+          <a:chExt cx="0" cy="0"/>
+        </a:xfrm>
+      </p:grpSpPr>
+      <p:sp>
+        <p:nvSpPr>
+          <p:cNvPr id="2" name="Titel 1"/>
+          <p:cNvSpPr>
+            <a:spLocks noGrp="1"/>
+          </p:cNvSpPr>
+          <p:nvPr>
+            <p:ph type="title"/>
+          </p:nvPr>
+        </p:nvSpPr>
+        <p:spPr/>
+        <p:txBody>
+          <a:bodyPr/>
+          <a:lstStyle/>
+          <a:p>
+            <a:r>
+              <a:rPr lang="de-CH" dirty="0" smtClean="0"/>
+              <a:t>‚Real Network‘</a:t>
+            </a:r>
+            <a:endParaRPr lang="de-CH" dirty="0"/>
+          </a:p>
+        </p:txBody>
+      </p:sp>
+      <p:sp>
+        <p:nvSpPr>
+          <p:cNvPr id="3" name="Inhaltsplatzhalter 2"/>
+          <p:cNvSpPr>
+            <a:spLocks noGrp="1"/>
+          </p:cNvSpPr>
+          <p:nvPr>
+            <p:ph idx="1"/>
+          </p:nvPr>
+        </p:nvSpPr>
+        <p:spPr/>
+        <p:txBody>
+          <a:bodyPr/>
+          <a:lstStyle/>
+          <a:p>
+            <a:r>
+              <a:rPr lang="en-US" dirty="0" smtClean="0"/>
+              <a:t>Looked up connections</a:t>
+            </a:r>
+          </a:p>
+          <a:p>
+            <a:r>
+              <a:rPr lang="en-US" dirty="0" smtClean="0"/>
+              <a:t>Not fully-connected</a:t>
+            </a:r>
+          </a:p>
+          <a:p>
+            <a:pPr>
+              <a:buNone/>
+            </a:pPr>
+            <a:endParaRPr lang="en-US" dirty="0"/>
+          </a:p>
+        </p:txBody>
+      </p:sp>
+    </p:spTree>
+  </p:cSld>
+  <p:clrMapOvr>
+    <a:masterClrMapping/>
+  </p:clrMapOvr>
+  <p:timing>
+    <p:tnLst>
+      <p:par>
+        <p:cTn id="1" dur="indefinite" restart="never" nodeType="tmRoot"/>
+      </p:par>
+    </p:tnLst>
+  </p:timing>
+</p:sld>
+</file>
+
+<file path=ppt/slides/slide9.xml><?xml version="1.0" encoding="utf-8"?>
+<p:sld xmlns:a="http://schemas.openxmlformats.org/drawingml/2006/main" xmlns:r="http://schemas.openxmlformats.org/officeDocument/2006/relationships" xmlns:p="http://schemas.openxmlformats.org/presentationml/2006/main">
+  <p:cSld>
+    <p:spTree>
+      <p:nvGrpSpPr>
+        <p:cNvPr id="1" name=""/>
+        <p:cNvGrpSpPr/>
+        <p:nvPr/>
+      </p:nvGrpSpPr>
+      <p:grpSpPr>
+        <a:xfrm>
+          <a:off x="0" y="0"/>
+          <a:ext cx="0" cy="0"/>
+          <a:chOff x="0" y="0"/>
+          <a:chExt cx="0" cy="0"/>
+        </a:xfrm>
+      </p:grpSpPr>
+      <p:sp>
+        <p:nvSpPr>
+          <p:cNvPr id="2" name="Titel 1"/>
+          <p:cNvSpPr>
+            <a:spLocks noGrp="1"/>
+          </p:cNvSpPr>
+          <p:nvPr>
+            <p:ph type="title"/>
+          </p:nvPr>
+        </p:nvSpPr>
+        <p:spPr/>
+        <p:txBody>
+          <a:bodyPr>
+            <a:normAutofit/>
+          </a:bodyPr>
+          <a:lstStyle/>
+          <a:p>
+            <a:r>
+              <a:rPr lang="en-US" dirty="0" smtClean="0"/>
+              <a:t>Shortest-Path</a:t>
+            </a:r>
+            <a:endParaRPr lang="en-US" dirty="0"/>
+          </a:p>
+        </p:txBody>
+      </p:sp>
+      <p:pic>
+        <p:nvPicPr>
+          <p:cNvPr id="4" name="Inhaltsplatzhalter 3" descr="smallnetwork.png"/>
+          <p:cNvPicPr>
+            <a:picLocks noGrp="1" noChangeAspect="1"/>
+          </p:cNvPicPr>
+          <p:nvPr>
+            <p:ph idx="1"/>
+          </p:nvPr>
+        </p:nvPicPr>
+        <p:blipFill>
+          <a:blip r:embed="rId3" cstate="print"/>
+          <a:srcRect t="27047" b="25223"/>
+          <a:stretch>
+            <a:fillRect/>
+          </a:stretch>
+        </p:blipFill>
+        <p:spPr>
+          <a:xfrm>
+            <a:off x="1403648" y="1772816"/>
+            <a:ext cx="5852160" cy="2793236"/>
+          </a:xfrm>
+        </p:spPr>
+      </p:pic>
+    </p:spTree>
+  </p:cSld>
+  <p:clrMapOvr>
+    <a:masterClrMapping/>
+  </p:clrMapOvr>
+  <p:timing>
+    <p:tnLst>
+      <p:par>
+        <p:cTn id="1" dur="indefinite" restart="never" nodeType="tmRoot"/>
+      </p:par>
+    </p:tnLst>
+  </p:timing>
 </p:sld>
 </file>
 

--- a/presentation/Part II and III.pptx
+++ b/presentation/Part II and III.pptx
@@ -8159,7 +8159,7 @@
           </a:bodyPr>
           <a:lstStyle/>
           <a:p>
-            <a:endParaRPr lang="de-CH"/>
+            <a:endParaRPr lang="de-CH" dirty="0"/>
           </a:p>
         </p:txBody>
       </p:sp>
@@ -11987,7 +11987,7 @@
         </p:blipFill>
         <p:spPr>
           <a:xfrm>
-            <a:off x="1763688" y="2348880"/>
+            <a:off x="1403648" y="1772816"/>
             <a:ext cx="5852160" cy="2700128"/>
           </a:xfrm>
         </p:spPr>
@@ -12063,7 +12063,7 @@
         </p:blipFill>
         <p:spPr>
           <a:xfrm>
-            <a:off x="1547664" y="1340768"/>
+            <a:off x="1475656" y="1196752"/>
             <a:ext cx="6044445" cy="4533334"/>
           </a:xfrm>
           <a:prstGeom prst="rect">
@@ -12144,7 +12144,7 @@
         </p:blipFill>
         <p:spPr>
           <a:xfrm>
-            <a:off x="1554691" y="1600200"/>
+            <a:off x="1475656" y="1196752"/>
             <a:ext cx="6034617" cy="4525963"/>
           </a:xfrm>
         </p:spPr>
@@ -12210,11 +12210,7 @@
             </a:r>
             <a:r>
               <a:rPr lang="de-CH" dirty="0" smtClean="0"/>
-              <a:t> </a:t>
-            </a:r>
-            <a:r>
-              <a:rPr lang="de-CH" dirty="0" smtClean="0"/>
-              <a:t>Model</a:t>
+              <a:t> Model</a:t>
             </a:r>
             <a:endParaRPr lang="de-CH" dirty="0"/>
           </a:p>
@@ -12301,11 +12297,7 @@
             </a:r>
             <a:r>
               <a:rPr lang="de-CH" dirty="0" smtClean="0"/>
-              <a:t> </a:t>
-            </a:r>
-            <a:r>
-              <a:rPr lang="de-CH" dirty="0" smtClean="0"/>
-              <a:t>Model</a:t>
+              <a:t> Model</a:t>
             </a:r>
             <a:endParaRPr lang="de-CH" dirty="0"/>
           </a:p>
@@ -12423,11 +12415,7 @@
           <a:p>
             <a:r>
               <a:rPr lang="de-CH" dirty="0" smtClean="0"/>
-              <a:t>Gravity </a:t>
-            </a:r>
-            <a:r>
-              <a:rPr lang="de-CH" dirty="0" smtClean="0"/>
-              <a:t>Model</a:t>
+              <a:t>Gravity Model</a:t>
             </a:r>
             <a:endParaRPr lang="de-CH" dirty="0"/>
           </a:p>
@@ -12652,11 +12640,7 @@
           <a:p>
             <a:r>
               <a:rPr lang="de-CH" dirty="0" smtClean="0"/>
-              <a:t>Gravity </a:t>
-            </a:r>
-            <a:r>
-              <a:rPr lang="de-CH" dirty="0" smtClean="0"/>
-              <a:t>Model</a:t>
+              <a:t>Gravity Model</a:t>
             </a:r>
             <a:endParaRPr lang="de-CH" dirty="0"/>
           </a:p>
@@ -12843,7 +12827,11 @@
           <a:p>
             <a:r>
               <a:rPr lang="de-CH" dirty="0" smtClean="0"/>
-              <a:t>Gravity model</a:t>
+              <a:t>Gravity </a:t>
+            </a:r>
+            <a:r>
+              <a:rPr lang="de-CH" dirty="0" smtClean="0"/>
+              <a:t>Model</a:t>
             </a:r>
             <a:endParaRPr lang="de-CH" dirty="0"/>
           </a:p>
@@ -13030,7 +13018,11 @@
           <a:p>
             <a:r>
               <a:rPr lang="en-US" dirty="0" smtClean="0"/>
-              <a:t>Adjacency matrix</a:t>
+              <a:t>Adjacency </a:t>
+            </a:r>
+            <a:r>
+              <a:rPr lang="en-US" dirty="0" smtClean="0"/>
+              <a:t>Matrix</a:t>
             </a:r>
             <a:endParaRPr lang="en-US" dirty="0"/>
           </a:p>
